--- a/lab6/Lab 06 - 函式與遞迴.pptx
+++ b/lab6/Lab 06 - 函式與遞迴.pptx
@@ -1,31 +1,33 @@
 
 <file path=ppt/presentation.xml><?xml version="1.0" encoding="utf-8"?>
-<p:presentation xmlns:a="http://schemas.openxmlformats.org/drawingml/2006/main" xmlns:r="http://schemas.openxmlformats.org/officeDocument/2006/relationships" xmlns:mc="http://schemas.openxmlformats.org/markup-compatibility/2006" xmlns:mv="urn:schemas-microsoft-com:mac:vml" xmlns:p="http://schemas.openxmlformats.org/presentationml/2006/main" xmlns:c="http://schemas.openxmlformats.org/drawingml/2006/chart" xmlns:dgm="http://schemas.openxmlformats.org/drawingml/2006/diagram" xmlns:o="urn:schemas-microsoft-com:office:office" xmlns:v="urn:schemas-microsoft-com:vml" xmlns:pvml="urn:schemas-microsoft-com:office:powerpoint" xmlns:com="http://schemas.openxmlformats.org/drawingml/2006/compatibility" xmlns:p14="http://schemas.microsoft.com/office/powerpoint/2010/main" autoCompressPictures="0" embedTrueTypeFonts="1" strictFirstAndLastChars="0" saveSubsetFonts="1">
+<p:presentation xmlns:a="http://schemas.openxmlformats.org/drawingml/2006/main" xmlns:r="http://schemas.openxmlformats.org/officeDocument/2006/relationships" xmlns:p="http://schemas.openxmlformats.org/presentationml/2006/main" strictFirstAndLastChars="0" embedTrueTypeFonts="1" saveSubsetFonts="1" autoCompressPictures="0">
   <p:sldMasterIdLst>
-    <p:sldMasterId id="2147483659" r:id="rId3"/>
+    <p:sldMasterId id="2147483659" r:id="rId1"/>
   </p:sldMasterIdLst>
   <p:notesMasterIdLst>
-    <p:notesMasterId r:id="rId4"/>
+    <p:notesMasterId r:id="rId11"/>
   </p:notesMasterIdLst>
   <p:sldIdLst>
-    <p:sldId id="256" r:id="rId5"/>
-    <p:sldId id="257" r:id="rId6"/>
-    <p:sldId id="258" r:id="rId7"/>
-    <p:sldId id="259" r:id="rId8"/>
-    <p:sldId id="260" r:id="rId9"/>
-    <p:sldId id="261" r:id="rId10"/>
-    <p:sldId id="262" r:id="rId11"/>
+    <p:sldId id="256" r:id="rId2"/>
+    <p:sldId id="257" r:id="rId3"/>
+    <p:sldId id="258" r:id="rId4"/>
+    <p:sldId id="263" r:id="rId5"/>
+    <p:sldId id="259" r:id="rId6"/>
+    <p:sldId id="260" r:id="rId7"/>
+    <p:sldId id="261" r:id="rId8"/>
+    <p:sldId id="264" r:id="rId9"/>
+    <p:sldId id="262" r:id="rId10"/>
   </p:sldIdLst>
-  <p:sldSz cy="5143500" cx="9144000"/>
+  <p:sldSz cx="9144000" cy="5143500" type="screen16x9"/>
   <p:notesSz cx="6858000" cy="9144000"/>
   <p:embeddedFontLst>
     <p:embeddedFont>
-      <p:font typeface="Roboto Slab"/>
+      <p:font typeface="Roboto Slab" panose="02020500000000000000" charset="0"/>
       <p:regular r:id="rId12"/>
       <p:bold r:id="rId13"/>
     </p:embeddedFont>
     <p:embeddedFont>
-      <p:font typeface="Roboto"/>
+      <p:font typeface="Roboto" panose="02020500000000000000" charset="0"/>
       <p:regular r:id="rId14"/>
       <p:bold r:id="rId15"/>
       <p:italic r:id="rId16"/>
@@ -33,7 +35,7 @@
     </p:embeddedFont>
   </p:embeddedFontLst>
   <p:defaultTextStyle>
-    <a:defPPr lvl="0" marR="0" rtl="0" algn="l">
+    <a:defPPr marR="0" lvl="0" algn="l" rtl="0">
       <a:lnSpc>
         <a:spcPct val="100000"/>
       </a:lnSpc>
@@ -44,7 +46,7 @@
         <a:spcPts val="0"/>
       </a:spcAft>
     </a:defPPr>
-    <a:lvl1pPr lvl="0" marR="0" rtl="0" algn="l">
+    <a:lvl1pPr marR="0" lvl="0" algn="l" rtl="0">
       <a:lnSpc>
         <a:spcPct val="100000"/>
       </a:lnSpc>
@@ -55,7 +57,7 @@
         <a:spcPts val="0"/>
       </a:spcAft>
       <a:buNone/>
-      <a:defRPr b="0" i="0" sz="1400" u="none" cap="none" strike="noStrike">
+      <a:defRPr sz="1400" b="0" i="0" u="none" strike="noStrike" cap="none">
         <a:solidFill>
           <a:srgbClr val="000000"/>
         </a:solidFill>
@@ -65,7 +67,7 @@
         <a:sym typeface="Arial"/>
       </a:defRPr>
     </a:lvl1pPr>
-    <a:lvl2pPr lvl="1" marR="0" rtl="0" algn="l">
+    <a:lvl2pPr marR="0" lvl="1" algn="l" rtl="0">
       <a:lnSpc>
         <a:spcPct val="100000"/>
       </a:lnSpc>
@@ -76,7 +78,7 @@
         <a:spcPts val="0"/>
       </a:spcAft>
       <a:buNone/>
-      <a:defRPr b="0" i="0" sz="1400" u="none" cap="none" strike="noStrike">
+      <a:defRPr sz="1400" b="0" i="0" u="none" strike="noStrike" cap="none">
         <a:solidFill>
           <a:srgbClr val="000000"/>
         </a:solidFill>
@@ -86,7 +88,7 @@
         <a:sym typeface="Arial"/>
       </a:defRPr>
     </a:lvl2pPr>
-    <a:lvl3pPr lvl="2" marR="0" rtl="0" algn="l">
+    <a:lvl3pPr marR="0" lvl="2" algn="l" rtl="0">
       <a:lnSpc>
         <a:spcPct val="100000"/>
       </a:lnSpc>
@@ -97,7 +99,7 @@
         <a:spcPts val="0"/>
       </a:spcAft>
       <a:buNone/>
-      <a:defRPr b="0" i="0" sz="1400" u="none" cap="none" strike="noStrike">
+      <a:defRPr sz="1400" b="0" i="0" u="none" strike="noStrike" cap="none">
         <a:solidFill>
           <a:srgbClr val="000000"/>
         </a:solidFill>
@@ -107,7 +109,7 @@
         <a:sym typeface="Arial"/>
       </a:defRPr>
     </a:lvl3pPr>
-    <a:lvl4pPr lvl="3" marR="0" rtl="0" algn="l">
+    <a:lvl4pPr marR="0" lvl="3" algn="l" rtl="0">
       <a:lnSpc>
         <a:spcPct val="100000"/>
       </a:lnSpc>
@@ -118,7 +120,7 @@
         <a:spcPts val="0"/>
       </a:spcAft>
       <a:buNone/>
-      <a:defRPr b="0" i="0" sz="1400" u="none" cap="none" strike="noStrike">
+      <a:defRPr sz="1400" b="0" i="0" u="none" strike="noStrike" cap="none">
         <a:solidFill>
           <a:srgbClr val="000000"/>
         </a:solidFill>
@@ -128,7 +130,7 @@
         <a:sym typeface="Arial"/>
       </a:defRPr>
     </a:lvl4pPr>
-    <a:lvl5pPr lvl="4" marR="0" rtl="0" algn="l">
+    <a:lvl5pPr marR="0" lvl="4" algn="l" rtl="0">
       <a:lnSpc>
         <a:spcPct val="100000"/>
       </a:lnSpc>
@@ -139,7 +141,7 @@
         <a:spcPts val="0"/>
       </a:spcAft>
       <a:buNone/>
-      <a:defRPr b="0" i="0" sz="1400" u="none" cap="none" strike="noStrike">
+      <a:defRPr sz="1400" b="0" i="0" u="none" strike="noStrike" cap="none">
         <a:solidFill>
           <a:srgbClr val="000000"/>
         </a:solidFill>
@@ -149,7 +151,7 @@
         <a:sym typeface="Arial"/>
       </a:defRPr>
     </a:lvl5pPr>
-    <a:lvl6pPr lvl="5" marR="0" rtl="0" algn="l">
+    <a:lvl6pPr marR="0" lvl="5" algn="l" rtl="0">
       <a:lnSpc>
         <a:spcPct val="100000"/>
       </a:lnSpc>
@@ -160,7 +162,7 @@
         <a:spcPts val="0"/>
       </a:spcAft>
       <a:buNone/>
-      <a:defRPr b="0" i="0" sz="1400" u="none" cap="none" strike="noStrike">
+      <a:defRPr sz="1400" b="0" i="0" u="none" strike="noStrike" cap="none">
         <a:solidFill>
           <a:srgbClr val="000000"/>
         </a:solidFill>
@@ -170,7 +172,7 @@
         <a:sym typeface="Arial"/>
       </a:defRPr>
     </a:lvl6pPr>
-    <a:lvl7pPr lvl="6" marR="0" rtl="0" algn="l">
+    <a:lvl7pPr marR="0" lvl="6" algn="l" rtl="0">
       <a:lnSpc>
         <a:spcPct val="100000"/>
       </a:lnSpc>
@@ -181,7 +183,7 @@
         <a:spcPts val="0"/>
       </a:spcAft>
       <a:buNone/>
-      <a:defRPr b="0" i="0" sz="1400" u="none" cap="none" strike="noStrike">
+      <a:defRPr sz="1400" b="0" i="0" u="none" strike="noStrike" cap="none">
         <a:solidFill>
           <a:srgbClr val="000000"/>
         </a:solidFill>
@@ -191,7 +193,7 @@
         <a:sym typeface="Arial"/>
       </a:defRPr>
     </a:lvl7pPr>
-    <a:lvl8pPr lvl="7" marR="0" rtl="0" algn="l">
+    <a:lvl8pPr marR="0" lvl="7" algn="l" rtl="0">
       <a:lnSpc>
         <a:spcPct val="100000"/>
       </a:lnSpc>
@@ -202,7 +204,7 @@
         <a:spcPts val="0"/>
       </a:spcAft>
       <a:buNone/>
-      <a:defRPr b="0" i="0" sz="1400" u="none" cap="none" strike="noStrike">
+      <a:defRPr sz="1400" b="0" i="0" u="none" strike="noStrike" cap="none">
         <a:solidFill>
           <a:srgbClr val="000000"/>
         </a:solidFill>
@@ -212,7 +214,7 @@
         <a:sym typeface="Arial"/>
       </a:defRPr>
     </a:lvl8pPr>
-    <a:lvl9pPr lvl="8" marR="0" rtl="0" algn="l">
+    <a:lvl9pPr marR="0" lvl="8" algn="l" rtl="0">
       <a:lnSpc>
         <a:spcPct val="100000"/>
       </a:lnSpc>
@@ -223,7 +225,7 @@
         <a:spcPts val="0"/>
       </a:spcAft>
       <a:buNone/>
-      <a:defRPr b="0" i="0" sz="1400" u="none" cap="none" strike="noStrike">
+      <a:defRPr sz="1400" b="0" i="0" u="none" strike="noStrike" cap="none">
         <a:solidFill>
           <a:srgbClr val="000000"/>
         </a:solidFill>
@@ -238,11 +240,16 @@
 </file>
 
 <file path=ppt/notesMasters/notesMaster1.xml><?xml version="1.0" encoding="utf-8"?>
-<p:notesMaster xmlns:a="http://schemas.openxmlformats.org/drawingml/2006/main" xmlns:r="http://schemas.openxmlformats.org/officeDocument/2006/relationships" xmlns:mc="http://schemas.openxmlformats.org/markup-compatibility/2006" xmlns:mv="urn:schemas-microsoft-com:mac:vml" xmlns:p="http://schemas.openxmlformats.org/presentationml/2006/main" xmlns:c="http://schemas.openxmlformats.org/drawingml/2006/chart" xmlns:dgm="http://schemas.openxmlformats.org/drawingml/2006/diagram" xmlns:o="urn:schemas-microsoft-com:office:office" xmlns:v="urn:schemas-microsoft-com:vml" xmlns:pvml="urn:schemas-microsoft-com:office:powerpoint" xmlns:com="http://schemas.openxmlformats.org/drawingml/2006/compatibility" xmlns:p14="http://schemas.microsoft.com/office/powerpoint/2010/main">
+<p:notesMaster xmlns:a="http://schemas.openxmlformats.org/drawingml/2006/main" xmlns:r="http://schemas.openxmlformats.org/officeDocument/2006/relationships" xmlns:p="http://schemas.openxmlformats.org/presentationml/2006/main">
   <p:cSld>
+    <p:bg>
+      <p:bgRef idx="1001">
+        <a:schemeClr val="bg1"/>
+      </p:bgRef>
+    </p:bg>
     <p:spTree>
       <p:nvGrpSpPr>
-        <p:cNvPr id="2" name="Shape 2"/>
+        <p:cNvPr id="1" name="Shape 2"/>
         <p:cNvGrpSpPr/>
         <p:nvPr/>
       </p:nvGrpSpPr>
@@ -257,9 +264,11 @@
       <p:sp>
         <p:nvSpPr>
           <p:cNvPr id="3" name="Shape 3"/>
-          <p:cNvSpPr/>
+          <p:cNvSpPr>
+            <a:spLocks noGrp="1" noRot="1" noChangeAspect="1"/>
+          </p:cNvSpPr>
           <p:nvPr>
-            <p:ph idx="2" type="sldImg"/>
+            <p:ph type="sldImg" idx="2"/>
           </p:nvPr>
         </p:nvSpPr>
         <p:spPr>
@@ -268,8 +277,13 @@
             <a:ext cx="6096075" cy="3429000"/>
           </a:xfrm>
           <a:custGeom>
+            <a:avLst/>
+            <a:gdLst/>
+            <a:ahLst/>
+            <a:cxnLst/>
+            <a:rect l="0" t="0" r="0" b="0"/>
             <a:pathLst>
-              <a:path extrusionOk="0" h="120000" w="120000">
+              <a:path w="120000" h="120000" extrusionOk="0">
                 <a:moveTo>
                   <a:pt x="0" y="0"/>
                 </a:moveTo>
@@ -287,23 +301,25 @@
             </a:pathLst>
           </a:custGeom>
           <a:noFill/>
-          <a:ln cap="flat" cmpd="sng" w="9525">
+          <a:ln w="9525" cap="flat" cmpd="sng">
             <a:solidFill>
               <a:srgbClr val="000000"/>
             </a:solidFill>
             <a:prstDash val="solid"/>
             <a:round/>
-            <a:headEnd len="med" w="med" type="none"/>
-            <a:tailEnd len="med" w="med" type="none"/>
+            <a:headEnd type="none" w="med" len="med"/>
+            <a:tailEnd type="none" w="med" len="med"/>
           </a:ln>
         </p:spPr>
       </p:sp>
       <p:sp>
         <p:nvSpPr>
           <p:cNvPr id="4" name="Shape 4"/>
-          <p:cNvSpPr txBox="1"/>
+          <p:cNvSpPr txBox="1">
+            <a:spLocks noGrp="1"/>
+          </p:cNvSpPr>
           <p:nvPr>
-            <p:ph idx="1" type="body"/>
+            <p:ph type="body" idx="1"/>
           </p:nvPr>
         </p:nvSpPr>
         <p:spPr>
@@ -320,7 +336,7 @@
           </a:ln>
         </p:spPr>
         <p:txBody>
-          <a:bodyPr anchorCtr="0" anchor="t" bIns="91425" lIns="91425" rIns="91425" tIns="91425"/>
+          <a:bodyPr lIns="91425" tIns="91425" rIns="91425" bIns="91425" anchor="t" anchorCtr="0"/>
           <a:lstStyle>
             <a:lvl1pPr lvl="0">
               <a:spcBef>
@@ -377,21 +393,115 @@
               <a:defRPr sz="1100"/>
             </a:lvl9pPr>
           </a:lstStyle>
-          <a:p/>
+          <a:p>
+            <a:endParaRPr/>
+          </a:p>
         </p:txBody>
       </p:sp>
     </p:spTree>
   </p:cSld>
-  <p:clrMap accent1="accent1" accent2="accent2" accent3="accent3" accent4="accent4" accent5="accent5" accent6="accent6" bg1="lt1" bg2="dk2" tx1="dk1" tx2="lt2" folHlink="folHlink" hlink="hlink"/>
+  <p:clrMap bg1="lt1" tx1="dk1" bg2="dk2" tx2="lt2" accent1="accent1" accent2="accent2" accent3="accent3" accent4="accent4" accent5="accent5" accent6="accent6" hlink="hlink" folHlink="folHlink"/>
+  <p:notesStyle>
+    <a:lvl1pPr marL="0" algn="l" defTabSz="914400" rtl="0" eaLnBrk="1" latinLnBrk="0" hangingPunct="1">
+      <a:defRPr sz="1200" kern="1200">
+        <a:solidFill>
+          <a:schemeClr val="tx1"/>
+        </a:solidFill>
+        <a:latin typeface="+mn-lt"/>
+        <a:ea typeface="+mn-ea"/>
+        <a:cs typeface="+mn-cs"/>
+      </a:defRPr>
+    </a:lvl1pPr>
+    <a:lvl2pPr marL="457200" algn="l" defTabSz="914400" rtl="0" eaLnBrk="1" latinLnBrk="0" hangingPunct="1">
+      <a:defRPr sz="1200" kern="1200">
+        <a:solidFill>
+          <a:schemeClr val="tx1"/>
+        </a:solidFill>
+        <a:latin typeface="+mn-lt"/>
+        <a:ea typeface="+mn-ea"/>
+        <a:cs typeface="+mn-cs"/>
+      </a:defRPr>
+    </a:lvl2pPr>
+    <a:lvl3pPr marL="914400" algn="l" defTabSz="914400" rtl="0" eaLnBrk="1" latinLnBrk="0" hangingPunct="1">
+      <a:defRPr sz="1200" kern="1200">
+        <a:solidFill>
+          <a:schemeClr val="tx1"/>
+        </a:solidFill>
+        <a:latin typeface="+mn-lt"/>
+        <a:ea typeface="+mn-ea"/>
+        <a:cs typeface="+mn-cs"/>
+      </a:defRPr>
+    </a:lvl3pPr>
+    <a:lvl4pPr marL="1371600" algn="l" defTabSz="914400" rtl="0" eaLnBrk="1" latinLnBrk="0" hangingPunct="1">
+      <a:defRPr sz="1200" kern="1200">
+        <a:solidFill>
+          <a:schemeClr val="tx1"/>
+        </a:solidFill>
+        <a:latin typeface="+mn-lt"/>
+        <a:ea typeface="+mn-ea"/>
+        <a:cs typeface="+mn-cs"/>
+      </a:defRPr>
+    </a:lvl4pPr>
+    <a:lvl5pPr marL="1828800" algn="l" defTabSz="914400" rtl="0" eaLnBrk="1" latinLnBrk="0" hangingPunct="1">
+      <a:defRPr sz="1200" kern="1200">
+        <a:solidFill>
+          <a:schemeClr val="tx1"/>
+        </a:solidFill>
+        <a:latin typeface="+mn-lt"/>
+        <a:ea typeface="+mn-ea"/>
+        <a:cs typeface="+mn-cs"/>
+      </a:defRPr>
+    </a:lvl5pPr>
+    <a:lvl6pPr marL="2286000" algn="l" defTabSz="914400" rtl="0" eaLnBrk="1" latinLnBrk="0" hangingPunct="1">
+      <a:defRPr sz="1200" kern="1200">
+        <a:solidFill>
+          <a:schemeClr val="tx1"/>
+        </a:solidFill>
+        <a:latin typeface="+mn-lt"/>
+        <a:ea typeface="+mn-ea"/>
+        <a:cs typeface="+mn-cs"/>
+      </a:defRPr>
+    </a:lvl6pPr>
+    <a:lvl7pPr marL="2743200" algn="l" defTabSz="914400" rtl="0" eaLnBrk="1" latinLnBrk="0" hangingPunct="1">
+      <a:defRPr sz="1200" kern="1200">
+        <a:solidFill>
+          <a:schemeClr val="tx1"/>
+        </a:solidFill>
+        <a:latin typeface="+mn-lt"/>
+        <a:ea typeface="+mn-ea"/>
+        <a:cs typeface="+mn-cs"/>
+      </a:defRPr>
+    </a:lvl7pPr>
+    <a:lvl8pPr marL="3200400" algn="l" defTabSz="914400" rtl="0" eaLnBrk="1" latinLnBrk="0" hangingPunct="1">
+      <a:defRPr sz="1200" kern="1200">
+        <a:solidFill>
+          <a:schemeClr val="tx1"/>
+        </a:solidFill>
+        <a:latin typeface="+mn-lt"/>
+        <a:ea typeface="+mn-ea"/>
+        <a:cs typeface="+mn-cs"/>
+      </a:defRPr>
+    </a:lvl8pPr>
+    <a:lvl9pPr marL="3657600" algn="l" defTabSz="914400" rtl="0" eaLnBrk="1" latinLnBrk="0" hangingPunct="1">
+      <a:defRPr sz="1200" kern="1200">
+        <a:solidFill>
+          <a:schemeClr val="tx1"/>
+        </a:solidFill>
+        <a:latin typeface="+mn-lt"/>
+        <a:ea typeface="+mn-ea"/>
+        <a:cs typeface="+mn-cs"/>
+      </a:defRPr>
+    </a:lvl9pPr>
+  </p:notesStyle>
 </p:notesMaster>
 </file>
 
 <file path=ppt/notesSlides/notesSlide1.xml><?xml version="1.0" encoding="utf-8"?>
-<p:notes xmlns:a="http://schemas.openxmlformats.org/drawingml/2006/main" xmlns:r="http://schemas.openxmlformats.org/officeDocument/2006/relationships" xmlns:mc="http://schemas.openxmlformats.org/markup-compatibility/2006" xmlns:mv="urn:schemas-microsoft-com:mac:vml" xmlns:p="http://schemas.openxmlformats.org/presentationml/2006/main" xmlns:c="http://schemas.openxmlformats.org/drawingml/2006/chart" xmlns:dgm="http://schemas.openxmlformats.org/drawingml/2006/diagram" xmlns:o="urn:schemas-microsoft-com:office:office" xmlns:v="urn:schemas-microsoft-com:vml" xmlns:pvml="urn:schemas-microsoft-com:office:powerpoint" xmlns:com="http://schemas.openxmlformats.org/drawingml/2006/compatibility" xmlns:p14="http://schemas.microsoft.com/office/powerpoint/2010/main" showMasterPhAnim="0" showMasterSp="0">
+<p:notes xmlns:a="http://schemas.openxmlformats.org/drawingml/2006/main" xmlns:r="http://schemas.openxmlformats.org/officeDocument/2006/relationships" xmlns:p="http://schemas.openxmlformats.org/presentationml/2006/main" showMasterSp="0" showMasterPhAnim="0">
   <p:cSld>
     <p:spTree>
       <p:nvGrpSpPr>
-        <p:cNvPr id="59" name="Shape 59"/>
+        <p:cNvPr id="1" name="Shape 59"/>
         <p:cNvGrpSpPr/>
         <p:nvPr/>
       </p:nvGrpSpPr>
@@ -406,19 +516,26 @@
       <p:sp>
         <p:nvSpPr>
           <p:cNvPr id="60" name="Shape 60"/>
-          <p:cNvSpPr/>
+          <p:cNvSpPr>
+            <a:spLocks noGrp="1" noRot="1" noChangeAspect="1"/>
+          </p:cNvSpPr>
           <p:nvPr>
-            <p:ph idx="2" type="sldImg"/>
+            <p:ph type="sldImg" idx="2"/>
           </p:nvPr>
         </p:nvSpPr>
         <p:spPr>
           <a:xfrm>
-            <a:off x="381300" y="685800"/>
-            <a:ext cx="6096075" cy="3429000"/>
+            <a:off x="381000" y="685800"/>
+            <a:ext cx="6096000" cy="3429000"/>
           </a:xfrm>
           <a:custGeom>
+            <a:avLst/>
+            <a:gdLst/>
+            <a:ahLst/>
+            <a:cxnLst/>
+            <a:rect l="0" t="0" r="0" b="0"/>
             <a:pathLst>
-              <a:path extrusionOk="0" h="120000" w="120000">
+              <a:path w="120000" h="120000" extrusionOk="0">
                 <a:moveTo>
                   <a:pt x="0" y="0"/>
                 </a:moveTo>
@@ -440,9 +557,11 @@
       <p:sp>
         <p:nvSpPr>
           <p:cNvPr id="61" name="Shape 61"/>
-          <p:cNvSpPr txBox="1"/>
+          <p:cNvSpPr txBox="1">
+            <a:spLocks noGrp="1"/>
+          </p:cNvSpPr>
           <p:nvPr>
-            <p:ph idx="1" type="body"/>
+            <p:ph type="body" idx="1"/>
           </p:nvPr>
         </p:nvSpPr>
         <p:spPr>
@@ -455,7 +574,7 @@
           </a:prstGeom>
         </p:spPr>
         <p:txBody>
-          <a:bodyPr anchorCtr="0" anchor="t" bIns="91425" lIns="91425" rIns="91425" tIns="91425">
+          <a:bodyPr lIns="91425" tIns="91425" rIns="91425" bIns="91425" anchor="t" anchorCtr="0">
             <a:noAutofit/>
           </a:bodyPr>
           <a:lstStyle/>
@@ -466,9 +585,6 @@
               </a:spcBef>
               <a:buNone/>
             </a:pPr>
-            <a:r>
-              <a:t/>
-            </a:r>
             <a:endParaRPr/>
           </a:p>
         </p:txBody>
@@ -482,11 +598,11 @@
 </file>
 
 <file path=ppt/notesSlides/notesSlide2.xml><?xml version="1.0" encoding="utf-8"?>
-<p:notes xmlns:a="http://schemas.openxmlformats.org/drawingml/2006/main" xmlns:r="http://schemas.openxmlformats.org/officeDocument/2006/relationships" xmlns:mc="http://schemas.openxmlformats.org/markup-compatibility/2006" xmlns:mv="urn:schemas-microsoft-com:mac:vml" xmlns:p="http://schemas.openxmlformats.org/presentationml/2006/main" xmlns:c="http://schemas.openxmlformats.org/drawingml/2006/chart" xmlns:dgm="http://schemas.openxmlformats.org/drawingml/2006/diagram" xmlns:o="urn:schemas-microsoft-com:office:office" xmlns:v="urn:schemas-microsoft-com:vml" xmlns:pvml="urn:schemas-microsoft-com:office:powerpoint" xmlns:com="http://schemas.openxmlformats.org/drawingml/2006/compatibility" xmlns:p14="http://schemas.microsoft.com/office/powerpoint/2010/main" showMasterPhAnim="0" showMasterSp="0">
+<p:notes xmlns:a="http://schemas.openxmlformats.org/drawingml/2006/main" xmlns:r="http://schemas.openxmlformats.org/officeDocument/2006/relationships" xmlns:p="http://schemas.openxmlformats.org/presentationml/2006/main" showMasterSp="0" showMasterPhAnim="0">
   <p:cSld>
     <p:spTree>
       <p:nvGrpSpPr>
-        <p:cNvPr id="67" name="Shape 67"/>
+        <p:cNvPr id="1" name="Shape 67"/>
         <p:cNvGrpSpPr/>
         <p:nvPr/>
       </p:nvGrpSpPr>
@@ -501,19 +617,26 @@
       <p:sp>
         <p:nvSpPr>
           <p:cNvPr id="68" name="Shape 68"/>
-          <p:cNvSpPr/>
+          <p:cNvSpPr>
+            <a:spLocks noGrp="1" noRot="1" noChangeAspect="1"/>
+          </p:cNvSpPr>
           <p:nvPr>
-            <p:ph idx="2" type="sldImg"/>
+            <p:ph type="sldImg" idx="2"/>
           </p:nvPr>
         </p:nvSpPr>
         <p:spPr>
           <a:xfrm>
-            <a:off x="381300" y="685800"/>
+            <a:off x="381000" y="685800"/>
             <a:ext cx="6096000" cy="3429000"/>
           </a:xfrm>
           <a:custGeom>
+            <a:avLst/>
+            <a:gdLst/>
+            <a:ahLst/>
+            <a:cxnLst/>
+            <a:rect l="0" t="0" r="0" b="0"/>
             <a:pathLst>
-              <a:path extrusionOk="0" h="120000" w="120000">
+              <a:path w="120000" h="120000" extrusionOk="0">
                 <a:moveTo>
                   <a:pt x="0" y="0"/>
                 </a:moveTo>
@@ -535,9 +658,11 @@
       <p:sp>
         <p:nvSpPr>
           <p:cNvPr id="69" name="Shape 69"/>
-          <p:cNvSpPr txBox="1"/>
+          <p:cNvSpPr txBox="1">
+            <a:spLocks noGrp="1"/>
+          </p:cNvSpPr>
           <p:nvPr>
-            <p:ph idx="1" type="body"/>
+            <p:ph type="body" idx="1"/>
           </p:nvPr>
         </p:nvSpPr>
         <p:spPr>
@@ -550,7 +675,7 @@
           </a:prstGeom>
         </p:spPr>
         <p:txBody>
-          <a:bodyPr anchorCtr="0" anchor="t" bIns="91425" lIns="91425" rIns="91425" tIns="91425">
+          <a:bodyPr lIns="91425" tIns="91425" rIns="91425" bIns="91425" anchor="t" anchorCtr="0">
             <a:noAutofit/>
           </a:bodyPr>
           <a:lstStyle/>
@@ -561,9 +686,6 @@
               </a:spcBef>
               <a:buNone/>
             </a:pPr>
-            <a:r>
-              <a:t/>
-            </a:r>
             <a:endParaRPr/>
           </a:p>
         </p:txBody>
@@ -577,11 +699,11 @@
 </file>
 
 <file path=ppt/notesSlides/notesSlide3.xml><?xml version="1.0" encoding="utf-8"?>
-<p:notes xmlns:a="http://schemas.openxmlformats.org/drawingml/2006/main" xmlns:r="http://schemas.openxmlformats.org/officeDocument/2006/relationships" xmlns:mc="http://schemas.openxmlformats.org/markup-compatibility/2006" xmlns:mv="urn:schemas-microsoft-com:mac:vml" xmlns:p="http://schemas.openxmlformats.org/presentationml/2006/main" xmlns:c="http://schemas.openxmlformats.org/drawingml/2006/chart" xmlns:dgm="http://schemas.openxmlformats.org/drawingml/2006/diagram" xmlns:o="urn:schemas-microsoft-com:office:office" xmlns:v="urn:schemas-microsoft-com:vml" xmlns:pvml="urn:schemas-microsoft-com:office:powerpoint" xmlns:com="http://schemas.openxmlformats.org/drawingml/2006/compatibility" xmlns:p14="http://schemas.microsoft.com/office/powerpoint/2010/main" showMasterPhAnim="0" showMasterSp="0">
+<p:notes xmlns:a="http://schemas.openxmlformats.org/drawingml/2006/main" xmlns:r="http://schemas.openxmlformats.org/officeDocument/2006/relationships" xmlns:p="http://schemas.openxmlformats.org/presentationml/2006/main" showMasterSp="0" showMasterPhAnim="0">
   <p:cSld>
     <p:spTree>
       <p:nvGrpSpPr>
-        <p:cNvPr id="73" name="Shape 73"/>
+        <p:cNvPr id="1" name="Shape 73"/>
         <p:cNvGrpSpPr/>
         <p:nvPr/>
       </p:nvGrpSpPr>
@@ -596,19 +718,26 @@
       <p:sp>
         <p:nvSpPr>
           <p:cNvPr id="74" name="Shape 74"/>
-          <p:cNvSpPr/>
+          <p:cNvSpPr>
+            <a:spLocks noGrp="1" noRot="1" noChangeAspect="1"/>
+          </p:cNvSpPr>
           <p:nvPr>
-            <p:ph idx="2" type="sldImg"/>
+            <p:ph type="sldImg" idx="2"/>
           </p:nvPr>
         </p:nvSpPr>
         <p:spPr>
           <a:xfrm>
-            <a:off x="381300" y="685800"/>
+            <a:off x="381000" y="685800"/>
             <a:ext cx="6096000" cy="3429000"/>
           </a:xfrm>
           <a:custGeom>
+            <a:avLst/>
+            <a:gdLst/>
+            <a:ahLst/>
+            <a:cxnLst/>
+            <a:rect l="0" t="0" r="0" b="0"/>
             <a:pathLst>
-              <a:path extrusionOk="0" h="120000" w="120000">
+              <a:path w="120000" h="120000" extrusionOk="0">
                 <a:moveTo>
                   <a:pt x="0" y="0"/>
                 </a:moveTo>
@@ -630,9 +759,11 @@
       <p:sp>
         <p:nvSpPr>
           <p:cNvPr id="75" name="Shape 75"/>
-          <p:cNvSpPr txBox="1"/>
+          <p:cNvSpPr txBox="1">
+            <a:spLocks noGrp="1"/>
+          </p:cNvSpPr>
           <p:nvPr>
-            <p:ph idx="1" type="body"/>
+            <p:ph type="body" idx="1"/>
           </p:nvPr>
         </p:nvSpPr>
         <p:spPr>
@@ -645,7 +776,7 @@
           </a:prstGeom>
         </p:spPr>
         <p:txBody>
-          <a:bodyPr anchorCtr="0" anchor="t" bIns="91425" lIns="91425" rIns="91425" tIns="91425">
+          <a:bodyPr lIns="91425" tIns="91425" rIns="91425" bIns="91425" anchor="t" anchorCtr="0">
             <a:noAutofit/>
           </a:bodyPr>
           <a:lstStyle/>
@@ -656,9 +787,6 @@
               </a:spcBef>
               <a:buNone/>
             </a:pPr>
-            <a:r>
-              <a:t/>
-            </a:r>
             <a:endParaRPr/>
           </a:p>
         </p:txBody>
@@ -672,11 +800,11 @@
 </file>
 
 <file path=ppt/notesSlides/notesSlide4.xml><?xml version="1.0" encoding="utf-8"?>
-<p:notes xmlns:a="http://schemas.openxmlformats.org/drawingml/2006/main" xmlns:r="http://schemas.openxmlformats.org/officeDocument/2006/relationships" xmlns:mc="http://schemas.openxmlformats.org/markup-compatibility/2006" xmlns:mv="urn:schemas-microsoft-com:mac:vml" xmlns:p="http://schemas.openxmlformats.org/presentationml/2006/main" xmlns:c="http://schemas.openxmlformats.org/drawingml/2006/chart" xmlns:dgm="http://schemas.openxmlformats.org/drawingml/2006/diagram" xmlns:o="urn:schemas-microsoft-com:office:office" xmlns:v="urn:schemas-microsoft-com:vml" xmlns:pvml="urn:schemas-microsoft-com:office:powerpoint" xmlns:com="http://schemas.openxmlformats.org/drawingml/2006/compatibility" xmlns:p14="http://schemas.microsoft.com/office/powerpoint/2010/main" showMasterPhAnim="0" showMasterSp="0">
+<p:notes xmlns:a="http://schemas.openxmlformats.org/drawingml/2006/main" xmlns:r="http://schemas.openxmlformats.org/officeDocument/2006/relationships" xmlns:p="http://schemas.openxmlformats.org/presentationml/2006/main" showMasterSp="0" showMasterPhAnim="0">
   <p:cSld>
     <p:spTree>
       <p:nvGrpSpPr>
-        <p:cNvPr id="79" name="Shape 79"/>
+        <p:cNvPr id="1" name="Shape 79"/>
         <p:cNvGrpSpPr/>
         <p:nvPr/>
       </p:nvGrpSpPr>
@@ -691,19 +819,26 @@
       <p:sp>
         <p:nvSpPr>
           <p:cNvPr id="80" name="Shape 80"/>
-          <p:cNvSpPr/>
+          <p:cNvSpPr>
+            <a:spLocks noGrp="1" noRot="1" noChangeAspect="1"/>
+          </p:cNvSpPr>
           <p:nvPr>
-            <p:ph idx="2" type="sldImg"/>
+            <p:ph type="sldImg" idx="2"/>
           </p:nvPr>
         </p:nvSpPr>
         <p:spPr>
           <a:xfrm>
-            <a:off x="381300" y="685800"/>
+            <a:off x="381000" y="685800"/>
             <a:ext cx="6096000" cy="3429000"/>
           </a:xfrm>
           <a:custGeom>
+            <a:avLst/>
+            <a:gdLst/>
+            <a:ahLst/>
+            <a:cxnLst/>
+            <a:rect l="0" t="0" r="0" b="0"/>
             <a:pathLst>
-              <a:path extrusionOk="0" h="120000" w="120000">
+              <a:path w="120000" h="120000" extrusionOk="0">
                 <a:moveTo>
                   <a:pt x="0" y="0"/>
                 </a:moveTo>
@@ -725,9 +860,11 @@
       <p:sp>
         <p:nvSpPr>
           <p:cNvPr id="81" name="Shape 81"/>
-          <p:cNvSpPr txBox="1"/>
+          <p:cNvSpPr txBox="1">
+            <a:spLocks noGrp="1"/>
+          </p:cNvSpPr>
           <p:nvPr>
-            <p:ph idx="1" type="body"/>
+            <p:ph type="body" idx="1"/>
           </p:nvPr>
         </p:nvSpPr>
         <p:spPr>
@@ -740,7 +877,7 @@
           </a:prstGeom>
         </p:spPr>
         <p:txBody>
-          <a:bodyPr anchorCtr="0" anchor="t" bIns="91425" lIns="91425" rIns="91425" tIns="91425">
+          <a:bodyPr lIns="91425" tIns="91425" rIns="91425" bIns="91425" anchor="t" anchorCtr="0">
             <a:noAutofit/>
           </a:bodyPr>
           <a:lstStyle/>
@@ -751,9 +888,6 @@
               </a:spcBef>
               <a:buNone/>
             </a:pPr>
-            <a:r>
-              <a:t/>
-            </a:r>
             <a:endParaRPr/>
           </a:p>
         </p:txBody>
@@ -767,11 +901,11 @@
 </file>
 
 <file path=ppt/notesSlides/notesSlide5.xml><?xml version="1.0" encoding="utf-8"?>
-<p:notes xmlns:a="http://schemas.openxmlformats.org/drawingml/2006/main" xmlns:r="http://schemas.openxmlformats.org/officeDocument/2006/relationships" xmlns:mc="http://schemas.openxmlformats.org/markup-compatibility/2006" xmlns:mv="urn:schemas-microsoft-com:mac:vml" xmlns:p="http://schemas.openxmlformats.org/presentationml/2006/main" xmlns:c="http://schemas.openxmlformats.org/drawingml/2006/chart" xmlns:dgm="http://schemas.openxmlformats.org/drawingml/2006/diagram" xmlns:o="urn:schemas-microsoft-com:office:office" xmlns:v="urn:schemas-microsoft-com:vml" xmlns:pvml="urn:schemas-microsoft-com:office:powerpoint" xmlns:com="http://schemas.openxmlformats.org/drawingml/2006/compatibility" xmlns:p14="http://schemas.microsoft.com/office/powerpoint/2010/main" showMasterPhAnim="0" showMasterSp="0">
+<p:notes xmlns:a="http://schemas.openxmlformats.org/drawingml/2006/main" xmlns:r="http://schemas.openxmlformats.org/officeDocument/2006/relationships" xmlns:p="http://schemas.openxmlformats.org/presentationml/2006/main" showMasterSp="0" showMasterPhAnim="0">
   <p:cSld>
     <p:spTree>
       <p:nvGrpSpPr>
-        <p:cNvPr id="85" name="Shape 85"/>
+        <p:cNvPr id="1" name="Shape 85"/>
         <p:cNvGrpSpPr/>
         <p:nvPr/>
       </p:nvGrpSpPr>
@@ -786,19 +920,26 @@
       <p:sp>
         <p:nvSpPr>
           <p:cNvPr id="86" name="Shape 86"/>
-          <p:cNvSpPr/>
+          <p:cNvSpPr>
+            <a:spLocks noGrp="1" noRot="1" noChangeAspect="1"/>
+          </p:cNvSpPr>
           <p:nvPr>
-            <p:ph idx="2" type="sldImg"/>
+            <p:ph type="sldImg" idx="2"/>
           </p:nvPr>
         </p:nvSpPr>
         <p:spPr>
           <a:xfrm>
-            <a:off x="381300" y="685800"/>
+            <a:off x="381000" y="685800"/>
             <a:ext cx="6096000" cy="3429000"/>
           </a:xfrm>
           <a:custGeom>
+            <a:avLst/>
+            <a:gdLst/>
+            <a:ahLst/>
+            <a:cxnLst/>
+            <a:rect l="0" t="0" r="0" b="0"/>
             <a:pathLst>
-              <a:path extrusionOk="0" h="120000" w="120000">
+              <a:path w="120000" h="120000" extrusionOk="0">
                 <a:moveTo>
                   <a:pt x="0" y="0"/>
                 </a:moveTo>
@@ -820,9 +961,11 @@
       <p:sp>
         <p:nvSpPr>
           <p:cNvPr id="87" name="Shape 87"/>
-          <p:cNvSpPr txBox="1"/>
+          <p:cNvSpPr txBox="1">
+            <a:spLocks noGrp="1"/>
+          </p:cNvSpPr>
           <p:nvPr>
-            <p:ph idx="1" type="body"/>
+            <p:ph type="body" idx="1"/>
           </p:nvPr>
         </p:nvSpPr>
         <p:spPr>
@@ -835,7 +978,7 @@
           </a:prstGeom>
         </p:spPr>
         <p:txBody>
-          <a:bodyPr anchorCtr="0" anchor="t" bIns="91425" lIns="91425" rIns="91425" tIns="91425">
+          <a:bodyPr lIns="91425" tIns="91425" rIns="91425" bIns="91425" anchor="t" anchorCtr="0">
             <a:noAutofit/>
           </a:bodyPr>
           <a:lstStyle/>
@@ -846,9 +989,6 @@
               </a:spcBef>
               <a:buNone/>
             </a:pPr>
-            <a:r>
-              <a:t/>
-            </a:r>
             <a:endParaRPr/>
           </a:p>
         </p:txBody>
@@ -862,11 +1002,11 @@
 </file>
 
 <file path=ppt/notesSlides/notesSlide6.xml><?xml version="1.0" encoding="utf-8"?>
-<p:notes xmlns:a="http://schemas.openxmlformats.org/drawingml/2006/main" xmlns:r="http://schemas.openxmlformats.org/officeDocument/2006/relationships" xmlns:mc="http://schemas.openxmlformats.org/markup-compatibility/2006" xmlns:mv="urn:schemas-microsoft-com:mac:vml" xmlns:p="http://schemas.openxmlformats.org/presentationml/2006/main" xmlns:c="http://schemas.openxmlformats.org/drawingml/2006/chart" xmlns:dgm="http://schemas.openxmlformats.org/drawingml/2006/diagram" xmlns:o="urn:schemas-microsoft-com:office:office" xmlns:v="urn:schemas-microsoft-com:vml" xmlns:pvml="urn:schemas-microsoft-com:office:powerpoint" xmlns:com="http://schemas.openxmlformats.org/drawingml/2006/compatibility" xmlns:p14="http://schemas.microsoft.com/office/powerpoint/2010/main" showMasterPhAnim="0" showMasterSp="0">
+<p:notes xmlns:a="http://schemas.openxmlformats.org/drawingml/2006/main" xmlns:r="http://schemas.openxmlformats.org/officeDocument/2006/relationships" xmlns:p="http://schemas.openxmlformats.org/presentationml/2006/main" showMasterSp="0" showMasterPhAnim="0">
   <p:cSld>
     <p:spTree>
       <p:nvGrpSpPr>
-        <p:cNvPr id="91" name="Shape 91"/>
+        <p:cNvPr id="1" name="Shape 91"/>
         <p:cNvGrpSpPr/>
         <p:nvPr/>
       </p:nvGrpSpPr>
@@ -881,19 +1021,26 @@
       <p:sp>
         <p:nvSpPr>
           <p:cNvPr id="92" name="Shape 92"/>
-          <p:cNvSpPr/>
+          <p:cNvSpPr>
+            <a:spLocks noGrp="1" noRot="1" noChangeAspect="1"/>
+          </p:cNvSpPr>
           <p:nvPr>
-            <p:ph idx="2" type="sldImg"/>
+            <p:ph type="sldImg" idx="2"/>
           </p:nvPr>
         </p:nvSpPr>
         <p:spPr>
           <a:xfrm>
-            <a:off x="381300" y="685800"/>
+            <a:off x="381000" y="685800"/>
             <a:ext cx="6096000" cy="3429000"/>
           </a:xfrm>
           <a:custGeom>
+            <a:avLst/>
+            <a:gdLst/>
+            <a:ahLst/>
+            <a:cxnLst/>
+            <a:rect l="0" t="0" r="0" b="0"/>
             <a:pathLst>
-              <a:path extrusionOk="0" h="120000" w="120000">
+              <a:path w="120000" h="120000" extrusionOk="0">
                 <a:moveTo>
                   <a:pt x="0" y="0"/>
                 </a:moveTo>
@@ -915,9 +1062,11 @@
       <p:sp>
         <p:nvSpPr>
           <p:cNvPr id="93" name="Shape 93"/>
-          <p:cNvSpPr txBox="1"/>
+          <p:cNvSpPr txBox="1">
+            <a:spLocks noGrp="1"/>
+          </p:cNvSpPr>
           <p:nvPr>
-            <p:ph idx="1" type="body"/>
+            <p:ph type="body" idx="1"/>
           </p:nvPr>
         </p:nvSpPr>
         <p:spPr>
@@ -930,7 +1079,7 @@
           </a:prstGeom>
         </p:spPr>
         <p:txBody>
-          <a:bodyPr anchorCtr="0" anchor="t" bIns="91425" lIns="91425" rIns="91425" tIns="91425">
+          <a:bodyPr lIns="91425" tIns="91425" rIns="91425" bIns="91425" anchor="t" anchorCtr="0">
             <a:noAutofit/>
           </a:bodyPr>
           <a:lstStyle/>
@@ -941,9 +1090,6 @@
               </a:spcBef>
               <a:buNone/>
             </a:pPr>
-            <a:r>
-              <a:t/>
-            </a:r>
             <a:endParaRPr/>
           </a:p>
         </p:txBody>
@@ -957,11 +1103,11 @@
 </file>
 
 <file path=ppt/notesSlides/notesSlide7.xml><?xml version="1.0" encoding="utf-8"?>
-<p:notes xmlns:a="http://schemas.openxmlformats.org/drawingml/2006/main" xmlns:r="http://schemas.openxmlformats.org/officeDocument/2006/relationships" xmlns:mc="http://schemas.openxmlformats.org/markup-compatibility/2006" xmlns:mv="urn:schemas-microsoft-com:mac:vml" xmlns:p="http://schemas.openxmlformats.org/presentationml/2006/main" xmlns:c="http://schemas.openxmlformats.org/drawingml/2006/chart" xmlns:dgm="http://schemas.openxmlformats.org/drawingml/2006/diagram" xmlns:o="urn:schemas-microsoft-com:office:office" xmlns:v="urn:schemas-microsoft-com:vml" xmlns:pvml="urn:schemas-microsoft-com:office:powerpoint" xmlns:com="http://schemas.openxmlformats.org/drawingml/2006/compatibility" xmlns:p14="http://schemas.microsoft.com/office/powerpoint/2010/main" showMasterPhAnim="0" showMasterSp="0">
+<p:notes xmlns:a="http://schemas.openxmlformats.org/drawingml/2006/main" xmlns:r="http://schemas.openxmlformats.org/officeDocument/2006/relationships" xmlns:p="http://schemas.openxmlformats.org/presentationml/2006/main" showMasterSp="0" showMasterPhAnim="0">
   <p:cSld>
     <p:spTree>
       <p:nvGrpSpPr>
-        <p:cNvPr id="97" name="Shape 97"/>
+        <p:cNvPr id="1" name="Shape 97"/>
         <p:cNvGrpSpPr/>
         <p:nvPr/>
       </p:nvGrpSpPr>
@@ -976,19 +1122,26 @@
       <p:sp>
         <p:nvSpPr>
           <p:cNvPr id="98" name="Shape 98"/>
-          <p:cNvSpPr/>
+          <p:cNvSpPr>
+            <a:spLocks noGrp="1" noRot="1" noChangeAspect="1"/>
+          </p:cNvSpPr>
           <p:nvPr>
-            <p:ph idx="2" type="sldImg"/>
+            <p:ph type="sldImg" idx="2"/>
           </p:nvPr>
         </p:nvSpPr>
         <p:spPr>
           <a:xfrm>
-            <a:off x="381300" y="685800"/>
+            <a:off x="381000" y="685800"/>
             <a:ext cx="6096000" cy="3429000"/>
           </a:xfrm>
           <a:custGeom>
+            <a:avLst/>
+            <a:gdLst/>
+            <a:ahLst/>
+            <a:cxnLst/>
+            <a:rect l="0" t="0" r="0" b="0"/>
             <a:pathLst>
-              <a:path extrusionOk="0" h="120000" w="120000">
+              <a:path w="120000" h="120000" extrusionOk="0">
                 <a:moveTo>
                   <a:pt x="0" y="0"/>
                 </a:moveTo>
@@ -1010,9 +1163,11 @@
       <p:sp>
         <p:nvSpPr>
           <p:cNvPr id="99" name="Shape 99"/>
-          <p:cNvSpPr txBox="1"/>
+          <p:cNvSpPr txBox="1">
+            <a:spLocks noGrp="1"/>
+          </p:cNvSpPr>
           <p:nvPr>
-            <p:ph idx="1" type="body"/>
+            <p:ph type="body" idx="1"/>
           </p:nvPr>
         </p:nvSpPr>
         <p:spPr>
@@ -1025,7 +1180,7 @@
           </a:prstGeom>
         </p:spPr>
         <p:txBody>
-          <a:bodyPr anchorCtr="0" anchor="t" bIns="91425" lIns="91425" rIns="91425" tIns="91425">
+          <a:bodyPr lIns="91425" tIns="91425" rIns="91425" bIns="91425" anchor="t" anchorCtr="0">
             <a:noAutofit/>
           </a:bodyPr>
           <a:lstStyle/>
@@ -1036,9 +1191,6 @@
               </a:spcBef>
               <a:buNone/>
             </a:pPr>
-            <a:r>
-              <a:t/>
-            </a:r>
             <a:endParaRPr/>
           </a:p>
         </p:txBody>
@@ -1052,11 +1204,11 @@
 </file>
 
 <file path=ppt/slideLayouts/slideLayout1.xml><?xml version="1.0" encoding="utf-8"?>
-<p:sldLayout xmlns:a="http://schemas.openxmlformats.org/drawingml/2006/main" xmlns:r="http://schemas.openxmlformats.org/officeDocument/2006/relationships" xmlns:mc="http://schemas.openxmlformats.org/markup-compatibility/2006" xmlns:mv="urn:schemas-microsoft-com:mac:vml" xmlns:p="http://schemas.openxmlformats.org/presentationml/2006/main" xmlns:c="http://schemas.openxmlformats.org/drawingml/2006/chart" xmlns:dgm="http://schemas.openxmlformats.org/drawingml/2006/diagram" xmlns:o="urn:schemas-microsoft-com:office:office" xmlns:v="urn:schemas-microsoft-com:vml" xmlns:pvml="urn:schemas-microsoft-com:office:powerpoint" xmlns:com="http://schemas.openxmlformats.org/drawingml/2006/compatibility" xmlns:p14="http://schemas.microsoft.com/office/powerpoint/2010/main" type="title">
+<p:sldLayout xmlns:a="http://schemas.openxmlformats.org/drawingml/2006/main" xmlns:r="http://schemas.openxmlformats.org/officeDocument/2006/relationships" xmlns:p="http://schemas.openxmlformats.org/presentationml/2006/main" type="title">
   <p:cSld name="Title slide">
     <p:spTree>
       <p:nvGrpSpPr>
-        <p:cNvPr id="9" name="Shape 9"/>
+        <p:cNvPr id="1" name="Shape 9"/>
         <p:cNvGrpSpPr/>
         <p:nvPr/>
       </p:nvGrpSpPr>
@@ -1080,8 +1232,13 @@
             <a:ext cx="1081625" cy="1124949"/>
           </a:xfrm>
           <a:custGeom>
+            <a:avLst/>
+            <a:gdLst/>
+            <a:ahLst/>
+            <a:cxnLst/>
+            <a:rect l="0" t="0" r="0" b="0"/>
             <a:pathLst>
-              <a:path extrusionOk="0" h="44998" w="43265">
+              <a:path w="43265" h="44998" extrusionOk="0">
                 <a:moveTo>
                   <a:pt x="0" y="44998"/>
                 </a:moveTo>
@@ -1095,14 +1252,14 @@
             </a:pathLst>
           </a:custGeom>
           <a:noFill/>
-          <a:ln cap="flat" cmpd="sng" w="28575">
+          <a:ln w="28575" cap="flat" cmpd="sng">
             <a:solidFill>
               <a:schemeClr val="accent5"/>
             </a:solidFill>
             <a:prstDash val="solid"/>
             <a:miter/>
-            <a:headEnd len="med" w="med" type="none"/>
-            <a:tailEnd len="med" w="med" type="none"/>
+            <a:headEnd type="none" w="med" len="med"/>
+            <a:tailEnd type="none" w="med" len="med"/>
           </a:ln>
         </p:spPr>
       </p:sp>
@@ -1118,8 +1275,13 @@
             <a:ext cx="1081625" cy="1124950"/>
           </a:xfrm>
           <a:custGeom>
+            <a:avLst/>
+            <a:gdLst/>
+            <a:ahLst/>
+            <a:cxnLst/>
+            <a:rect l="0" t="0" r="0" b="0"/>
             <a:pathLst>
-              <a:path extrusionOk="0" h="44998" w="43265">
+              <a:path w="43265" h="44998" extrusionOk="0">
                 <a:moveTo>
                   <a:pt x="0" y="44998"/>
                 </a:moveTo>
@@ -1133,14 +1295,14 @@
             </a:pathLst>
           </a:custGeom>
           <a:noFill/>
-          <a:ln cap="flat" cmpd="sng" w="28575">
+          <a:ln w="28575" cap="flat" cmpd="sng">
             <a:solidFill>
               <a:schemeClr val="accent5"/>
             </a:solidFill>
             <a:prstDash val="solid"/>
             <a:miter/>
-            <a:headEnd len="med" w="med" type="none"/>
-            <a:tailEnd len="med" w="med" type="none"/>
+            <a:headEnd type="none" w="med" len="med"/>
+            <a:tailEnd type="none" w="med" len="med"/>
           </a:ln>
         </p:spPr>
       </p:sp>
@@ -1159,21 +1321,23 @@
             <a:avLst/>
           </a:prstGeom>
           <a:noFill/>
-          <a:ln cap="flat" cmpd="sng" w="38100">
+          <a:ln w="38100" cap="flat" cmpd="sng">
             <a:solidFill>
               <a:schemeClr val="accent4"/>
             </a:solidFill>
             <a:prstDash val="solid"/>
             <a:round/>
-            <a:headEnd len="med" w="med" type="none"/>
-            <a:tailEnd len="med" w="med" type="none"/>
+            <a:headEnd type="none" w="med" len="med"/>
+            <a:tailEnd type="none" w="med" len="med"/>
           </a:ln>
         </p:spPr>
       </p:cxnSp>
       <p:sp>
         <p:nvSpPr>
           <p:cNvPr id="13" name="Shape 13"/>
-          <p:cNvSpPr txBox="1"/>
+          <p:cNvSpPr txBox="1">
+            <a:spLocks noGrp="1"/>
+          </p:cNvSpPr>
           <p:nvPr>
             <p:ph type="ctrTitle"/>
           </p:nvPr>
@@ -1188,7 +1352,7 @@
           </a:prstGeom>
         </p:spPr>
         <p:txBody>
-          <a:bodyPr anchorCtr="0" anchor="b" bIns="91425" lIns="91425" rIns="91425" tIns="91425"/>
+          <a:bodyPr lIns="91425" tIns="91425" rIns="91425" bIns="91425" anchor="b" anchorCtr="0"/>
           <a:lstStyle>
             <a:lvl1pPr lvl="0" algn="ctr">
               <a:spcBef>
@@ -1254,15 +1418,19 @@
               <a:defRPr sz="4000"/>
             </a:lvl9pPr>
           </a:lstStyle>
-          <a:p/>
+          <a:p>
+            <a:endParaRPr/>
+          </a:p>
         </p:txBody>
       </p:sp>
       <p:sp>
         <p:nvSpPr>
           <p:cNvPr id="14" name="Shape 14"/>
-          <p:cNvSpPr txBox="1"/>
+          <p:cNvSpPr txBox="1">
+            <a:spLocks noGrp="1"/>
+          </p:cNvSpPr>
           <p:nvPr>
-            <p:ph idx="1" type="subTitle"/>
+            <p:ph type="subTitle" idx="1"/>
           </p:nvPr>
         </p:nvSpPr>
         <p:spPr>
@@ -1275,7 +1443,7 @@
           </a:prstGeom>
         </p:spPr>
         <p:txBody>
-          <a:bodyPr anchorCtr="0" anchor="t" bIns="91425" lIns="91425" rIns="91425" tIns="91425"/>
+          <a:bodyPr lIns="91425" tIns="91425" rIns="91425" bIns="91425" anchor="t" anchorCtr="0"/>
           <a:lstStyle>
             <a:lvl1pPr lvl="0" algn="ctr">
               <a:lnSpc>
@@ -1512,15 +1680,19 @@
               </a:defRPr>
             </a:lvl9pPr>
           </a:lstStyle>
-          <a:p/>
+          <a:p>
+            <a:endParaRPr/>
+          </a:p>
         </p:txBody>
       </p:sp>
       <p:sp>
         <p:nvSpPr>
           <p:cNvPr id="15" name="Shape 15"/>
-          <p:cNvSpPr txBox="1"/>
+          <p:cNvSpPr txBox="1">
+            <a:spLocks noGrp="1"/>
+          </p:cNvSpPr>
           <p:nvPr>
-            <p:ph idx="12" type="sldNum"/>
+            <p:ph type="sldNum" idx="12"/>
           </p:nvPr>
         </p:nvSpPr>
         <p:spPr>
@@ -1533,7 +1705,7 @@
           </a:prstGeom>
         </p:spPr>
         <p:txBody>
-          <a:bodyPr anchorCtr="0" anchor="ctr" bIns="91425" lIns="91425" rIns="91425" tIns="91425">
+          <a:bodyPr lIns="91425" tIns="91425" rIns="91425" bIns="91425" anchor="ctr" anchorCtr="0">
             <a:noAutofit/>
           </a:bodyPr>
           <a:lstStyle/>
@@ -1548,6 +1720,7 @@
               <a:rPr lang="zh-TW"/>
               <a:t>‹#›</a:t>
             </a:fld>
+            <a:endParaRPr lang="zh-TW"/>
           </a:p>
         </p:txBody>
       </p:sp>
@@ -1560,11 +1733,11 @@
 </file>
 
 <file path=ppt/slideLayouts/slideLayout10.xml><?xml version="1.0" encoding="utf-8"?>
-<p:sldLayout xmlns:a="http://schemas.openxmlformats.org/drawingml/2006/main" xmlns:r="http://schemas.openxmlformats.org/officeDocument/2006/relationships" xmlns:mc="http://schemas.openxmlformats.org/markup-compatibility/2006" xmlns:mv="urn:schemas-microsoft-com:mac:vml" xmlns:p="http://schemas.openxmlformats.org/presentationml/2006/main" xmlns:c="http://schemas.openxmlformats.org/drawingml/2006/chart" xmlns:dgm="http://schemas.openxmlformats.org/drawingml/2006/diagram" xmlns:o="urn:schemas-microsoft-com:office:office" xmlns:v="urn:schemas-microsoft-com:vml" xmlns:pvml="urn:schemas-microsoft-com:office:powerpoint" xmlns:com="http://schemas.openxmlformats.org/drawingml/2006/compatibility" xmlns:p14="http://schemas.microsoft.com/office/powerpoint/2010/main">
+<p:sldLayout xmlns:a="http://schemas.openxmlformats.org/drawingml/2006/main" xmlns:r="http://schemas.openxmlformats.org/officeDocument/2006/relationships" xmlns:p="http://schemas.openxmlformats.org/presentationml/2006/main">
   <p:cSld name="Big number">
     <p:spTree>
       <p:nvGrpSpPr>
-        <p:cNvPr id="52" name="Shape 52"/>
+        <p:cNvPr id="1" name="Shape 52"/>
         <p:cNvGrpSpPr/>
         <p:nvPr/>
       </p:nvGrpSpPr>
@@ -1598,7 +1771,7 @@
           </a:ln>
         </p:spPr>
         <p:txBody>
-          <a:bodyPr anchorCtr="0" anchor="ctr" bIns="91425" lIns="91425" rIns="91425" tIns="91425">
+          <a:bodyPr lIns="91425" tIns="91425" rIns="91425" bIns="91425" anchor="ctr" anchorCtr="0">
             <a:noAutofit/>
           </a:bodyPr>
           <a:lstStyle/>
@@ -1609,9 +1782,6 @@
               </a:spcBef>
               <a:buNone/>
             </a:pPr>
-            <a:r>
-              <a:t/>
-            </a:r>
             <a:endParaRPr/>
           </a:p>
         </p:txBody>
@@ -1619,7 +1789,9 @@
       <p:sp>
         <p:nvSpPr>
           <p:cNvPr id="54" name="Shape 54"/>
-          <p:cNvSpPr txBox="1"/>
+          <p:cNvSpPr txBox="1">
+            <a:spLocks noGrp="1"/>
+          </p:cNvSpPr>
           <p:nvPr>
             <p:ph type="title"/>
           </p:nvPr>
@@ -1634,7 +1806,7 @@
           </a:prstGeom>
         </p:spPr>
         <p:txBody>
-          <a:bodyPr anchorCtr="0" anchor="ctr" bIns="91425" lIns="91425" rIns="91425" tIns="91425"/>
+          <a:bodyPr lIns="91425" tIns="91425" rIns="91425" bIns="91425" anchor="ctr" anchorCtr="0"/>
           <a:lstStyle>
             <a:lvl1pPr lvl="0" algn="ctr">
               <a:spcBef>
@@ -1763,15 +1935,19 @@
               </a:defRPr>
             </a:lvl9pPr>
           </a:lstStyle>
-          <a:p/>
+          <a:p>
+            <a:endParaRPr/>
+          </a:p>
         </p:txBody>
       </p:sp>
       <p:sp>
         <p:nvSpPr>
           <p:cNvPr id="55" name="Shape 55"/>
-          <p:cNvSpPr txBox="1"/>
+          <p:cNvSpPr txBox="1">
+            <a:spLocks noGrp="1"/>
+          </p:cNvSpPr>
           <p:nvPr>
-            <p:ph idx="1" type="body"/>
+            <p:ph type="body" idx="1"/>
           </p:nvPr>
         </p:nvSpPr>
         <p:spPr>
@@ -1784,7 +1960,7 @@
           </a:prstGeom>
         </p:spPr>
         <p:txBody>
-          <a:bodyPr anchorCtr="0" anchor="t" bIns="91425" lIns="91425" rIns="91425" tIns="91425"/>
+          <a:bodyPr lIns="91425" tIns="91425" rIns="91425" bIns="91425" anchor="t" anchorCtr="0"/>
           <a:lstStyle>
             <a:lvl1pPr lvl="0" algn="ctr">
               <a:spcBef>
@@ -1841,15 +2017,19 @@
               <a:defRPr/>
             </a:lvl9pPr>
           </a:lstStyle>
-          <a:p/>
+          <a:p>
+            <a:endParaRPr/>
+          </a:p>
         </p:txBody>
       </p:sp>
       <p:sp>
         <p:nvSpPr>
           <p:cNvPr id="56" name="Shape 56"/>
-          <p:cNvSpPr txBox="1"/>
+          <p:cNvSpPr txBox="1">
+            <a:spLocks noGrp="1"/>
+          </p:cNvSpPr>
           <p:nvPr>
-            <p:ph idx="12" type="sldNum"/>
+            <p:ph type="sldNum" idx="12"/>
           </p:nvPr>
         </p:nvSpPr>
         <p:spPr>
@@ -1862,7 +2042,7 @@
           </a:prstGeom>
         </p:spPr>
         <p:txBody>
-          <a:bodyPr anchorCtr="0" anchor="ctr" bIns="91425" lIns="91425" rIns="91425" tIns="91425">
+          <a:bodyPr lIns="91425" tIns="91425" rIns="91425" bIns="91425" anchor="ctr" anchorCtr="0">
             <a:noAutofit/>
           </a:bodyPr>
           <a:lstStyle/>
@@ -1877,6 +2057,7 @@
               <a:rPr lang="zh-TW"/>
               <a:t>‹#›</a:t>
             </a:fld>
+            <a:endParaRPr lang="zh-TW"/>
           </a:p>
         </p:txBody>
       </p:sp>
@@ -1889,11 +2070,11 @@
 </file>
 
 <file path=ppt/slideLayouts/slideLayout11.xml><?xml version="1.0" encoding="utf-8"?>
-<p:sldLayout xmlns:a="http://schemas.openxmlformats.org/drawingml/2006/main" xmlns:r="http://schemas.openxmlformats.org/officeDocument/2006/relationships" xmlns:mc="http://schemas.openxmlformats.org/markup-compatibility/2006" xmlns:mv="urn:schemas-microsoft-com:mac:vml" xmlns:p="http://schemas.openxmlformats.org/presentationml/2006/main" xmlns:c="http://schemas.openxmlformats.org/drawingml/2006/chart" xmlns:dgm="http://schemas.openxmlformats.org/drawingml/2006/diagram" xmlns:o="urn:schemas-microsoft-com:office:office" xmlns:v="urn:schemas-microsoft-com:vml" xmlns:pvml="urn:schemas-microsoft-com:office:powerpoint" xmlns:com="http://schemas.openxmlformats.org/drawingml/2006/compatibility" xmlns:p14="http://schemas.microsoft.com/office/powerpoint/2010/main" type="blank">
+<p:sldLayout xmlns:a="http://schemas.openxmlformats.org/drawingml/2006/main" xmlns:r="http://schemas.openxmlformats.org/officeDocument/2006/relationships" xmlns:p="http://schemas.openxmlformats.org/presentationml/2006/main" type="blank">
   <p:cSld name="Blank">
     <p:spTree>
       <p:nvGrpSpPr>
-        <p:cNvPr id="57" name="Shape 57"/>
+        <p:cNvPr id="1" name="Shape 57"/>
         <p:cNvGrpSpPr/>
         <p:nvPr/>
       </p:nvGrpSpPr>
@@ -1908,9 +2089,11 @@
       <p:sp>
         <p:nvSpPr>
           <p:cNvPr id="58" name="Shape 58"/>
-          <p:cNvSpPr txBox="1"/>
+          <p:cNvSpPr txBox="1">
+            <a:spLocks noGrp="1"/>
+          </p:cNvSpPr>
           <p:nvPr>
-            <p:ph idx="12" type="sldNum"/>
+            <p:ph type="sldNum" idx="12"/>
           </p:nvPr>
         </p:nvSpPr>
         <p:spPr>
@@ -1923,7 +2106,7 @@
           </a:prstGeom>
         </p:spPr>
         <p:txBody>
-          <a:bodyPr anchorCtr="0" anchor="ctr" bIns="91425" lIns="91425" rIns="91425" tIns="91425">
+          <a:bodyPr lIns="91425" tIns="91425" rIns="91425" bIns="91425" anchor="ctr" anchorCtr="0">
             <a:noAutofit/>
           </a:bodyPr>
           <a:lstStyle/>
@@ -1938,6 +2121,7 @@
               <a:rPr lang="zh-TW"/>
               <a:t>‹#›</a:t>
             </a:fld>
+            <a:endParaRPr lang="zh-TW"/>
           </a:p>
         </p:txBody>
       </p:sp>
@@ -1950,11 +2134,11 @@
 </file>
 
 <file path=ppt/slideLayouts/slideLayout2.xml><?xml version="1.0" encoding="utf-8"?>
-<p:sldLayout xmlns:a="http://schemas.openxmlformats.org/drawingml/2006/main" xmlns:r="http://schemas.openxmlformats.org/officeDocument/2006/relationships" xmlns:mc="http://schemas.openxmlformats.org/markup-compatibility/2006" xmlns:mv="urn:schemas-microsoft-com:mac:vml" xmlns:p="http://schemas.openxmlformats.org/presentationml/2006/main" xmlns:c="http://schemas.openxmlformats.org/drawingml/2006/chart" xmlns:dgm="http://schemas.openxmlformats.org/drawingml/2006/diagram" xmlns:o="urn:schemas-microsoft-com:office:office" xmlns:v="urn:schemas-microsoft-com:vml" xmlns:pvml="urn:schemas-microsoft-com:office:powerpoint" xmlns:com="http://schemas.openxmlformats.org/drawingml/2006/compatibility" xmlns:p14="http://schemas.microsoft.com/office/powerpoint/2010/main" type="secHead">
+<p:sldLayout xmlns:a="http://schemas.openxmlformats.org/drawingml/2006/main" xmlns:r="http://schemas.openxmlformats.org/officeDocument/2006/relationships" xmlns:p="http://schemas.openxmlformats.org/presentationml/2006/main" type="secHead">
   <p:cSld name="Section header">
     <p:spTree>
       <p:nvGrpSpPr>
-        <p:cNvPr id="16" name="Shape 16"/>
+        <p:cNvPr id="1" name="Shape 16"/>
         <p:cNvGrpSpPr/>
         <p:nvPr/>
       </p:nvGrpSpPr>
@@ -1981,21 +2165,23 @@
             <a:avLst/>
           </a:prstGeom>
           <a:noFill/>
-          <a:ln cap="flat" cmpd="sng" w="38100">
+          <a:ln w="38100" cap="flat" cmpd="sng">
             <a:solidFill>
               <a:schemeClr val="accent4"/>
             </a:solidFill>
             <a:prstDash val="solid"/>
             <a:round/>
-            <a:headEnd len="med" w="med" type="none"/>
-            <a:tailEnd len="med" w="med" type="none"/>
+            <a:headEnd type="none" w="med" len="med"/>
+            <a:tailEnd type="none" w="med" len="med"/>
           </a:ln>
         </p:spPr>
       </p:cxnSp>
       <p:sp>
         <p:nvSpPr>
           <p:cNvPr id="18" name="Shape 18"/>
-          <p:cNvSpPr txBox="1"/>
+          <p:cNvSpPr txBox="1">
+            <a:spLocks noGrp="1"/>
+          </p:cNvSpPr>
           <p:nvPr>
             <p:ph type="title"/>
           </p:nvPr>
@@ -2010,7 +2196,7 @@
           </a:prstGeom>
         </p:spPr>
         <p:txBody>
-          <a:bodyPr anchorCtr="0" anchor="b" bIns="91425" lIns="91425" rIns="91425" tIns="91425"/>
+          <a:bodyPr lIns="91425" tIns="91425" rIns="91425" bIns="91425" anchor="b" anchorCtr="0"/>
           <a:lstStyle>
             <a:lvl1pPr lvl="0" algn="ctr">
               <a:spcBef>
@@ -2076,15 +2262,19 @@
               <a:defRPr sz="4800"/>
             </a:lvl9pPr>
           </a:lstStyle>
-          <a:p/>
+          <a:p>
+            <a:endParaRPr/>
+          </a:p>
         </p:txBody>
       </p:sp>
       <p:sp>
         <p:nvSpPr>
           <p:cNvPr id="19" name="Shape 19"/>
-          <p:cNvSpPr txBox="1"/>
+          <p:cNvSpPr txBox="1">
+            <a:spLocks noGrp="1"/>
+          </p:cNvSpPr>
           <p:nvPr>
-            <p:ph idx="12" type="sldNum"/>
+            <p:ph type="sldNum" idx="12"/>
           </p:nvPr>
         </p:nvSpPr>
         <p:spPr>
@@ -2097,7 +2287,7 @@
           </a:prstGeom>
         </p:spPr>
         <p:txBody>
-          <a:bodyPr anchorCtr="0" anchor="ctr" bIns="91425" lIns="91425" rIns="91425" tIns="91425">
+          <a:bodyPr lIns="91425" tIns="91425" rIns="91425" bIns="91425" anchor="ctr" anchorCtr="0">
             <a:noAutofit/>
           </a:bodyPr>
           <a:lstStyle/>
@@ -2112,6 +2302,7 @@
               <a:rPr lang="zh-TW"/>
               <a:t>‹#›</a:t>
             </a:fld>
+            <a:endParaRPr lang="zh-TW"/>
           </a:p>
         </p:txBody>
       </p:sp>
@@ -2124,11 +2315,11 @@
 </file>
 
 <file path=ppt/slideLayouts/slideLayout3.xml><?xml version="1.0" encoding="utf-8"?>
-<p:sldLayout xmlns:a="http://schemas.openxmlformats.org/drawingml/2006/main" xmlns:r="http://schemas.openxmlformats.org/officeDocument/2006/relationships" xmlns:mc="http://schemas.openxmlformats.org/markup-compatibility/2006" xmlns:mv="urn:schemas-microsoft-com:mac:vml" xmlns:p="http://schemas.openxmlformats.org/presentationml/2006/main" xmlns:c="http://schemas.openxmlformats.org/drawingml/2006/chart" xmlns:dgm="http://schemas.openxmlformats.org/drawingml/2006/diagram" xmlns:o="urn:schemas-microsoft-com:office:office" xmlns:v="urn:schemas-microsoft-com:vml" xmlns:pvml="urn:schemas-microsoft-com:office:powerpoint" xmlns:com="http://schemas.openxmlformats.org/drawingml/2006/compatibility" xmlns:p14="http://schemas.microsoft.com/office/powerpoint/2010/main" type="tx">
+<p:sldLayout xmlns:a="http://schemas.openxmlformats.org/drawingml/2006/main" xmlns:r="http://schemas.openxmlformats.org/officeDocument/2006/relationships" xmlns:p="http://schemas.openxmlformats.org/presentationml/2006/main" type="tx">
   <p:cSld name="Title and body">
     <p:spTree>
       <p:nvGrpSpPr>
-        <p:cNvPr id="20" name="Shape 20"/>
+        <p:cNvPr id="1" name="Shape 20"/>
         <p:cNvGrpSpPr/>
         <p:nvPr/>
       </p:nvGrpSpPr>
@@ -2155,21 +2346,23 @@
             <a:avLst/>
           </a:prstGeom>
           <a:noFill/>
-          <a:ln cap="flat" cmpd="sng" w="38100">
+          <a:ln w="38100" cap="flat" cmpd="sng">
             <a:solidFill>
               <a:schemeClr val="accent4"/>
             </a:solidFill>
             <a:prstDash val="solid"/>
             <a:round/>
-            <a:headEnd len="med" w="med" type="none"/>
-            <a:tailEnd len="med" w="med" type="none"/>
+            <a:headEnd type="none" w="med" len="med"/>
+            <a:tailEnd type="none" w="med" len="med"/>
           </a:ln>
         </p:spPr>
       </p:cxnSp>
       <p:sp>
         <p:nvSpPr>
           <p:cNvPr id="22" name="Shape 22"/>
-          <p:cNvSpPr txBox="1"/>
+          <p:cNvSpPr txBox="1">
+            <a:spLocks noGrp="1"/>
+          </p:cNvSpPr>
           <p:nvPr>
             <p:ph type="title"/>
           </p:nvPr>
@@ -2184,7 +2377,7 @@
           </a:prstGeom>
         </p:spPr>
         <p:txBody>
-          <a:bodyPr anchorCtr="0" anchor="b" bIns="91425" lIns="91425" rIns="91425" tIns="91425"/>
+          <a:bodyPr lIns="91425" tIns="91425" rIns="91425" bIns="91425" anchor="b" anchorCtr="0"/>
           <a:lstStyle>
             <a:lvl1pPr lvl="0">
               <a:spcBef>
@@ -2241,15 +2434,19 @@
               <a:defRPr/>
             </a:lvl9pPr>
           </a:lstStyle>
-          <a:p/>
+          <a:p>
+            <a:endParaRPr/>
+          </a:p>
         </p:txBody>
       </p:sp>
       <p:sp>
         <p:nvSpPr>
           <p:cNvPr id="23" name="Shape 23"/>
-          <p:cNvSpPr txBox="1"/>
+          <p:cNvSpPr txBox="1">
+            <a:spLocks noGrp="1"/>
+          </p:cNvSpPr>
           <p:nvPr>
-            <p:ph idx="1" type="body"/>
+            <p:ph type="body" idx="1"/>
           </p:nvPr>
         </p:nvSpPr>
         <p:spPr>
@@ -2262,7 +2459,7 @@
           </a:prstGeom>
         </p:spPr>
         <p:txBody>
-          <a:bodyPr anchorCtr="0" anchor="t" bIns="91425" lIns="91425" rIns="91425" tIns="91425"/>
+          <a:bodyPr lIns="91425" tIns="91425" rIns="91425" bIns="91425" anchor="t" anchorCtr="0"/>
           <a:lstStyle>
             <a:lvl1pPr lvl="0">
               <a:spcBef>
@@ -2319,15 +2516,19 @@
               <a:defRPr/>
             </a:lvl9pPr>
           </a:lstStyle>
-          <a:p/>
+          <a:p>
+            <a:endParaRPr/>
+          </a:p>
         </p:txBody>
       </p:sp>
       <p:sp>
         <p:nvSpPr>
           <p:cNvPr id="24" name="Shape 24"/>
-          <p:cNvSpPr txBox="1"/>
+          <p:cNvSpPr txBox="1">
+            <a:spLocks noGrp="1"/>
+          </p:cNvSpPr>
           <p:nvPr>
-            <p:ph idx="12" type="sldNum"/>
+            <p:ph type="sldNum" idx="12"/>
           </p:nvPr>
         </p:nvSpPr>
         <p:spPr>
@@ -2340,7 +2541,7 @@
           </a:prstGeom>
         </p:spPr>
         <p:txBody>
-          <a:bodyPr anchorCtr="0" anchor="ctr" bIns="91425" lIns="91425" rIns="91425" tIns="91425">
+          <a:bodyPr lIns="91425" tIns="91425" rIns="91425" bIns="91425" anchor="ctr" anchorCtr="0">
             <a:noAutofit/>
           </a:bodyPr>
           <a:lstStyle/>
@@ -2355,6 +2556,7 @@
               <a:rPr lang="zh-TW"/>
               <a:t>‹#›</a:t>
             </a:fld>
+            <a:endParaRPr lang="zh-TW"/>
           </a:p>
         </p:txBody>
       </p:sp>
@@ -2367,11 +2569,11 @@
 </file>
 
 <file path=ppt/slideLayouts/slideLayout4.xml><?xml version="1.0" encoding="utf-8"?>
-<p:sldLayout xmlns:a="http://schemas.openxmlformats.org/drawingml/2006/main" xmlns:r="http://schemas.openxmlformats.org/officeDocument/2006/relationships" xmlns:mc="http://schemas.openxmlformats.org/markup-compatibility/2006" xmlns:mv="urn:schemas-microsoft-com:mac:vml" xmlns:p="http://schemas.openxmlformats.org/presentationml/2006/main" xmlns:c="http://schemas.openxmlformats.org/drawingml/2006/chart" xmlns:dgm="http://schemas.openxmlformats.org/drawingml/2006/diagram" xmlns:o="urn:schemas-microsoft-com:office:office" xmlns:v="urn:schemas-microsoft-com:vml" xmlns:pvml="urn:schemas-microsoft-com:office:powerpoint" xmlns:com="http://schemas.openxmlformats.org/drawingml/2006/compatibility" xmlns:p14="http://schemas.microsoft.com/office/powerpoint/2010/main" type="twoColTx">
+<p:sldLayout xmlns:a="http://schemas.openxmlformats.org/drawingml/2006/main" xmlns:r="http://schemas.openxmlformats.org/officeDocument/2006/relationships" xmlns:p="http://schemas.openxmlformats.org/presentationml/2006/main" type="twoColTx">
   <p:cSld name="Title and two columns">
     <p:spTree>
       <p:nvGrpSpPr>
-        <p:cNvPr id="25" name="Shape 25"/>
+        <p:cNvPr id="1" name="Shape 25"/>
         <p:cNvGrpSpPr/>
         <p:nvPr/>
       </p:nvGrpSpPr>
@@ -2398,21 +2600,23 @@
             <a:avLst/>
           </a:prstGeom>
           <a:noFill/>
-          <a:ln cap="flat" cmpd="sng" w="38100">
+          <a:ln w="38100" cap="flat" cmpd="sng">
             <a:solidFill>
               <a:schemeClr val="accent4"/>
             </a:solidFill>
             <a:prstDash val="solid"/>
             <a:round/>
-            <a:headEnd len="med" w="med" type="none"/>
-            <a:tailEnd len="med" w="med" type="none"/>
+            <a:headEnd type="none" w="med" len="med"/>
+            <a:tailEnd type="none" w="med" len="med"/>
           </a:ln>
         </p:spPr>
       </p:cxnSp>
       <p:sp>
         <p:nvSpPr>
           <p:cNvPr id="27" name="Shape 27"/>
-          <p:cNvSpPr txBox="1"/>
+          <p:cNvSpPr txBox="1">
+            <a:spLocks noGrp="1"/>
+          </p:cNvSpPr>
           <p:nvPr>
             <p:ph type="title"/>
           </p:nvPr>
@@ -2427,7 +2631,7 @@
           </a:prstGeom>
         </p:spPr>
         <p:txBody>
-          <a:bodyPr anchorCtr="0" anchor="b" bIns="91425" lIns="91425" rIns="91425" tIns="91425"/>
+          <a:bodyPr lIns="91425" tIns="91425" rIns="91425" bIns="91425" anchor="b" anchorCtr="0"/>
           <a:lstStyle>
             <a:lvl1pPr lvl="0">
               <a:spcBef>
@@ -2484,15 +2688,19 @@
               <a:defRPr/>
             </a:lvl9pPr>
           </a:lstStyle>
-          <a:p/>
+          <a:p>
+            <a:endParaRPr/>
+          </a:p>
         </p:txBody>
       </p:sp>
       <p:sp>
         <p:nvSpPr>
           <p:cNvPr id="28" name="Shape 28"/>
-          <p:cNvSpPr txBox="1"/>
+          <p:cNvSpPr txBox="1">
+            <a:spLocks noGrp="1"/>
+          </p:cNvSpPr>
           <p:nvPr>
-            <p:ph idx="1" type="body"/>
+            <p:ph type="body" idx="1"/>
           </p:nvPr>
         </p:nvSpPr>
         <p:spPr>
@@ -2505,7 +2713,7 @@
           </a:prstGeom>
         </p:spPr>
         <p:txBody>
-          <a:bodyPr anchorCtr="0" anchor="t" bIns="91425" lIns="91425" rIns="91425" tIns="91425"/>
+          <a:bodyPr lIns="91425" tIns="91425" rIns="91425" bIns="91425" anchor="t" anchorCtr="0"/>
           <a:lstStyle>
             <a:lvl1pPr lvl="0">
               <a:spcBef>
@@ -2571,15 +2779,19 @@
               <a:defRPr sz="1200"/>
             </a:lvl9pPr>
           </a:lstStyle>
-          <a:p/>
+          <a:p>
+            <a:endParaRPr/>
+          </a:p>
         </p:txBody>
       </p:sp>
       <p:sp>
         <p:nvSpPr>
           <p:cNvPr id="29" name="Shape 29"/>
-          <p:cNvSpPr txBox="1"/>
+          <p:cNvSpPr txBox="1">
+            <a:spLocks noGrp="1"/>
+          </p:cNvSpPr>
           <p:nvPr>
-            <p:ph idx="2" type="body"/>
+            <p:ph type="body" idx="2"/>
           </p:nvPr>
         </p:nvSpPr>
         <p:spPr>
@@ -2592,7 +2804,7 @@
           </a:prstGeom>
         </p:spPr>
         <p:txBody>
-          <a:bodyPr anchorCtr="0" anchor="t" bIns="91425" lIns="91425" rIns="91425" tIns="91425"/>
+          <a:bodyPr lIns="91425" tIns="91425" rIns="91425" bIns="91425" anchor="t" anchorCtr="0"/>
           <a:lstStyle>
             <a:lvl1pPr lvl="0">
               <a:spcBef>
@@ -2658,15 +2870,19 @@
               <a:defRPr sz="1200"/>
             </a:lvl9pPr>
           </a:lstStyle>
-          <a:p/>
+          <a:p>
+            <a:endParaRPr/>
+          </a:p>
         </p:txBody>
       </p:sp>
       <p:sp>
         <p:nvSpPr>
           <p:cNvPr id="30" name="Shape 30"/>
-          <p:cNvSpPr txBox="1"/>
+          <p:cNvSpPr txBox="1">
+            <a:spLocks noGrp="1"/>
+          </p:cNvSpPr>
           <p:nvPr>
-            <p:ph idx="12" type="sldNum"/>
+            <p:ph type="sldNum" idx="12"/>
           </p:nvPr>
         </p:nvSpPr>
         <p:spPr>
@@ -2679,7 +2895,7 @@
           </a:prstGeom>
         </p:spPr>
         <p:txBody>
-          <a:bodyPr anchorCtr="0" anchor="ctr" bIns="91425" lIns="91425" rIns="91425" tIns="91425">
+          <a:bodyPr lIns="91425" tIns="91425" rIns="91425" bIns="91425" anchor="ctr" anchorCtr="0">
             <a:noAutofit/>
           </a:bodyPr>
           <a:lstStyle/>
@@ -2694,6 +2910,7 @@
               <a:rPr lang="zh-TW"/>
               <a:t>‹#›</a:t>
             </a:fld>
+            <a:endParaRPr lang="zh-TW"/>
           </a:p>
         </p:txBody>
       </p:sp>
@@ -2706,11 +2923,11 @@
 </file>
 
 <file path=ppt/slideLayouts/slideLayout5.xml><?xml version="1.0" encoding="utf-8"?>
-<p:sldLayout xmlns:a="http://schemas.openxmlformats.org/drawingml/2006/main" xmlns:r="http://schemas.openxmlformats.org/officeDocument/2006/relationships" xmlns:mc="http://schemas.openxmlformats.org/markup-compatibility/2006" xmlns:mv="urn:schemas-microsoft-com:mac:vml" xmlns:p="http://schemas.openxmlformats.org/presentationml/2006/main" xmlns:c="http://schemas.openxmlformats.org/drawingml/2006/chart" xmlns:dgm="http://schemas.openxmlformats.org/drawingml/2006/diagram" xmlns:o="urn:schemas-microsoft-com:office:office" xmlns:v="urn:schemas-microsoft-com:vml" xmlns:pvml="urn:schemas-microsoft-com:office:powerpoint" xmlns:com="http://schemas.openxmlformats.org/drawingml/2006/compatibility" xmlns:p14="http://schemas.microsoft.com/office/powerpoint/2010/main" type="titleOnly">
+<p:sldLayout xmlns:a="http://schemas.openxmlformats.org/drawingml/2006/main" xmlns:r="http://schemas.openxmlformats.org/officeDocument/2006/relationships" xmlns:p="http://schemas.openxmlformats.org/presentationml/2006/main" type="titleOnly">
   <p:cSld name="Title only">
     <p:spTree>
       <p:nvGrpSpPr>
-        <p:cNvPr id="31" name="Shape 31"/>
+        <p:cNvPr id="1" name="Shape 31"/>
         <p:cNvGrpSpPr/>
         <p:nvPr/>
       </p:nvGrpSpPr>
@@ -2725,7 +2942,9 @@
       <p:sp>
         <p:nvSpPr>
           <p:cNvPr id="32" name="Shape 32"/>
-          <p:cNvSpPr txBox="1"/>
+          <p:cNvSpPr txBox="1">
+            <a:spLocks noGrp="1"/>
+          </p:cNvSpPr>
           <p:nvPr>
             <p:ph type="title"/>
           </p:nvPr>
@@ -2740,7 +2959,7 @@
           </a:prstGeom>
         </p:spPr>
         <p:txBody>
-          <a:bodyPr anchorCtr="0" anchor="b" bIns="91425" lIns="91425" rIns="91425" tIns="91425"/>
+          <a:bodyPr lIns="91425" tIns="91425" rIns="91425" bIns="91425" anchor="b" anchorCtr="0"/>
           <a:lstStyle>
             <a:lvl1pPr lvl="0">
               <a:spcBef>
@@ -2797,15 +3016,19 @@
               <a:defRPr/>
             </a:lvl9pPr>
           </a:lstStyle>
-          <a:p/>
+          <a:p>
+            <a:endParaRPr/>
+          </a:p>
         </p:txBody>
       </p:sp>
       <p:sp>
         <p:nvSpPr>
           <p:cNvPr id="33" name="Shape 33"/>
-          <p:cNvSpPr txBox="1"/>
+          <p:cNvSpPr txBox="1">
+            <a:spLocks noGrp="1"/>
+          </p:cNvSpPr>
           <p:nvPr>
-            <p:ph idx="12" type="sldNum"/>
+            <p:ph type="sldNum" idx="12"/>
           </p:nvPr>
         </p:nvSpPr>
         <p:spPr>
@@ -2818,7 +3041,7 @@
           </a:prstGeom>
         </p:spPr>
         <p:txBody>
-          <a:bodyPr anchorCtr="0" anchor="ctr" bIns="91425" lIns="91425" rIns="91425" tIns="91425">
+          <a:bodyPr lIns="91425" tIns="91425" rIns="91425" bIns="91425" anchor="ctr" anchorCtr="0">
             <a:noAutofit/>
           </a:bodyPr>
           <a:lstStyle/>
@@ -2833,6 +3056,7 @@
               <a:rPr lang="zh-TW"/>
               <a:t>‹#›</a:t>
             </a:fld>
+            <a:endParaRPr lang="zh-TW"/>
           </a:p>
         </p:txBody>
       </p:sp>
@@ -2845,11 +3069,11 @@
 </file>
 
 <file path=ppt/slideLayouts/slideLayout6.xml><?xml version="1.0" encoding="utf-8"?>
-<p:sldLayout xmlns:a="http://schemas.openxmlformats.org/drawingml/2006/main" xmlns:r="http://schemas.openxmlformats.org/officeDocument/2006/relationships" xmlns:mc="http://schemas.openxmlformats.org/markup-compatibility/2006" xmlns:mv="urn:schemas-microsoft-com:mac:vml" xmlns:p="http://schemas.openxmlformats.org/presentationml/2006/main" xmlns:c="http://schemas.openxmlformats.org/drawingml/2006/chart" xmlns:dgm="http://schemas.openxmlformats.org/drawingml/2006/diagram" xmlns:o="urn:schemas-microsoft-com:office:office" xmlns:v="urn:schemas-microsoft-com:vml" xmlns:pvml="urn:schemas-microsoft-com:office:powerpoint" xmlns:com="http://schemas.openxmlformats.org/drawingml/2006/compatibility" xmlns:p14="http://schemas.microsoft.com/office/powerpoint/2010/main">
+<p:sldLayout xmlns:a="http://schemas.openxmlformats.org/drawingml/2006/main" xmlns:r="http://schemas.openxmlformats.org/officeDocument/2006/relationships" xmlns:p="http://schemas.openxmlformats.org/presentationml/2006/main">
   <p:cSld name="One column text">
     <p:spTree>
       <p:nvGrpSpPr>
-        <p:cNvPr id="34" name="Shape 34"/>
+        <p:cNvPr id="1" name="Shape 34"/>
         <p:cNvGrpSpPr/>
         <p:nvPr/>
       </p:nvGrpSpPr>
@@ -2876,21 +3100,23 @@
             <a:avLst/>
           </a:prstGeom>
           <a:noFill/>
-          <a:ln cap="flat" cmpd="sng" w="38100">
+          <a:ln w="38100" cap="flat" cmpd="sng">
             <a:solidFill>
               <a:schemeClr val="accent4"/>
             </a:solidFill>
             <a:prstDash val="solid"/>
             <a:round/>
-            <a:headEnd len="med" w="med" type="none"/>
-            <a:tailEnd len="med" w="med" type="none"/>
+            <a:headEnd type="none" w="med" len="med"/>
+            <a:tailEnd type="none" w="med" len="med"/>
           </a:ln>
         </p:spPr>
       </p:cxnSp>
       <p:sp>
         <p:nvSpPr>
           <p:cNvPr id="36" name="Shape 36"/>
-          <p:cNvSpPr txBox="1"/>
+          <p:cNvSpPr txBox="1">
+            <a:spLocks noGrp="1"/>
+          </p:cNvSpPr>
           <p:nvPr>
             <p:ph type="title"/>
           </p:nvPr>
@@ -2905,7 +3131,7 @@
           </a:prstGeom>
         </p:spPr>
         <p:txBody>
-          <a:bodyPr anchorCtr="0" anchor="b" bIns="91425" lIns="91425" rIns="91425" tIns="91425"/>
+          <a:bodyPr lIns="91425" tIns="91425" rIns="91425" bIns="91425" anchor="b" anchorCtr="0"/>
           <a:lstStyle>
             <a:lvl1pPr lvl="0">
               <a:spcBef>
@@ -2971,15 +3197,19 @@
               <a:defRPr sz="2400"/>
             </a:lvl9pPr>
           </a:lstStyle>
-          <a:p/>
+          <a:p>
+            <a:endParaRPr/>
+          </a:p>
         </p:txBody>
       </p:sp>
       <p:sp>
         <p:nvSpPr>
           <p:cNvPr id="37" name="Shape 37"/>
-          <p:cNvSpPr txBox="1"/>
+          <p:cNvSpPr txBox="1">
+            <a:spLocks noGrp="1"/>
+          </p:cNvSpPr>
           <p:nvPr>
-            <p:ph idx="1" type="body"/>
+            <p:ph type="body" idx="1"/>
           </p:nvPr>
         </p:nvSpPr>
         <p:spPr>
@@ -2992,7 +3222,7 @@
           </a:prstGeom>
         </p:spPr>
         <p:txBody>
-          <a:bodyPr anchorCtr="0" anchor="t" bIns="91425" lIns="91425" rIns="91425" tIns="91425"/>
+          <a:bodyPr lIns="91425" tIns="91425" rIns="91425" bIns="91425" anchor="t" anchorCtr="0"/>
           <a:lstStyle>
             <a:lvl1pPr lvl="0">
               <a:spcBef>
@@ -3058,15 +3288,19 @@
               <a:defRPr sz="1200"/>
             </a:lvl9pPr>
           </a:lstStyle>
-          <a:p/>
+          <a:p>
+            <a:endParaRPr/>
+          </a:p>
         </p:txBody>
       </p:sp>
       <p:sp>
         <p:nvSpPr>
           <p:cNvPr id="38" name="Shape 38"/>
-          <p:cNvSpPr txBox="1"/>
+          <p:cNvSpPr txBox="1">
+            <a:spLocks noGrp="1"/>
+          </p:cNvSpPr>
           <p:nvPr>
-            <p:ph idx="12" type="sldNum"/>
+            <p:ph type="sldNum" idx="12"/>
           </p:nvPr>
         </p:nvSpPr>
         <p:spPr>
@@ -3079,7 +3313,7 @@
           </a:prstGeom>
         </p:spPr>
         <p:txBody>
-          <a:bodyPr anchorCtr="0" anchor="ctr" bIns="91425" lIns="91425" rIns="91425" tIns="91425">
+          <a:bodyPr lIns="91425" tIns="91425" rIns="91425" bIns="91425" anchor="ctr" anchorCtr="0">
             <a:noAutofit/>
           </a:bodyPr>
           <a:lstStyle/>
@@ -3094,6 +3328,7 @@
               <a:rPr lang="zh-TW"/>
               <a:t>‹#›</a:t>
             </a:fld>
+            <a:endParaRPr lang="zh-TW"/>
           </a:p>
         </p:txBody>
       </p:sp>
@@ -3106,11 +3341,11 @@
 </file>
 
 <file path=ppt/slideLayouts/slideLayout7.xml><?xml version="1.0" encoding="utf-8"?>
-<p:sldLayout xmlns:a="http://schemas.openxmlformats.org/drawingml/2006/main" xmlns:r="http://schemas.openxmlformats.org/officeDocument/2006/relationships" xmlns:mc="http://schemas.openxmlformats.org/markup-compatibility/2006" xmlns:mv="urn:schemas-microsoft-com:mac:vml" xmlns:p="http://schemas.openxmlformats.org/presentationml/2006/main" xmlns:c="http://schemas.openxmlformats.org/drawingml/2006/chart" xmlns:dgm="http://schemas.openxmlformats.org/drawingml/2006/diagram" xmlns:o="urn:schemas-microsoft-com:office:office" xmlns:v="urn:schemas-microsoft-com:vml" xmlns:pvml="urn:schemas-microsoft-com:office:powerpoint" xmlns:com="http://schemas.openxmlformats.org/drawingml/2006/compatibility" xmlns:p14="http://schemas.microsoft.com/office/powerpoint/2010/main">
+<p:sldLayout xmlns:a="http://schemas.openxmlformats.org/drawingml/2006/main" xmlns:r="http://schemas.openxmlformats.org/officeDocument/2006/relationships" xmlns:p="http://schemas.openxmlformats.org/presentationml/2006/main">
   <p:cSld name="Main point">
     <p:spTree>
       <p:nvGrpSpPr>
-        <p:cNvPr id="39" name="Shape 39"/>
+        <p:cNvPr id="1" name="Shape 39"/>
         <p:cNvGrpSpPr/>
         <p:nvPr/>
       </p:nvGrpSpPr>
@@ -3125,7 +3360,9 @@
       <p:sp>
         <p:nvSpPr>
           <p:cNvPr id="40" name="Shape 40"/>
-          <p:cNvSpPr txBox="1"/>
+          <p:cNvSpPr txBox="1">
+            <a:spLocks noGrp="1"/>
+          </p:cNvSpPr>
           <p:nvPr>
             <p:ph type="title"/>
           </p:nvPr>
@@ -3140,7 +3377,7 @@
           </a:prstGeom>
         </p:spPr>
         <p:txBody>
-          <a:bodyPr anchorCtr="0" anchor="ctr" bIns="91425" lIns="91425" rIns="91425" tIns="91425"/>
+          <a:bodyPr lIns="91425" tIns="91425" rIns="91425" bIns="91425" anchor="ctr" anchorCtr="0"/>
           <a:lstStyle>
             <a:lvl1pPr lvl="0">
               <a:spcBef>
@@ -3206,15 +3443,19 @@
               <a:defRPr sz="4800"/>
             </a:lvl9pPr>
           </a:lstStyle>
-          <a:p/>
+          <a:p>
+            <a:endParaRPr/>
+          </a:p>
         </p:txBody>
       </p:sp>
       <p:sp>
         <p:nvSpPr>
           <p:cNvPr id="41" name="Shape 41"/>
-          <p:cNvSpPr txBox="1"/>
+          <p:cNvSpPr txBox="1">
+            <a:spLocks noGrp="1"/>
+          </p:cNvSpPr>
           <p:nvPr>
-            <p:ph idx="12" type="sldNum"/>
+            <p:ph type="sldNum" idx="12"/>
           </p:nvPr>
         </p:nvSpPr>
         <p:spPr>
@@ -3227,7 +3468,7 @@
           </a:prstGeom>
         </p:spPr>
         <p:txBody>
-          <a:bodyPr anchorCtr="0" anchor="ctr" bIns="91425" lIns="91425" rIns="91425" tIns="91425">
+          <a:bodyPr lIns="91425" tIns="91425" rIns="91425" bIns="91425" anchor="ctr" anchorCtr="0">
             <a:noAutofit/>
           </a:bodyPr>
           <a:lstStyle/>
@@ -3242,6 +3483,7 @@
               <a:rPr lang="zh-TW"/>
               <a:t>‹#›</a:t>
             </a:fld>
+            <a:endParaRPr lang="zh-TW"/>
           </a:p>
         </p:txBody>
       </p:sp>
@@ -3254,11 +3496,11 @@
 </file>
 
 <file path=ppt/slideLayouts/slideLayout8.xml><?xml version="1.0" encoding="utf-8"?>
-<p:sldLayout xmlns:a="http://schemas.openxmlformats.org/drawingml/2006/main" xmlns:r="http://schemas.openxmlformats.org/officeDocument/2006/relationships" xmlns:mc="http://schemas.openxmlformats.org/markup-compatibility/2006" xmlns:mv="urn:schemas-microsoft-com:mac:vml" xmlns:p="http://schemas.openxmlformats.org/presentationml/2006/main" xmlns:c="http://schemas.openxmlformats.org/drawingml/2006/chart" xmlns:dgm="http://schemas.openxmlformats.org/drawingml/2006/diagram" xmlns:o="urn:schemas-microsoft-com:office:office" xmlns:v="urn:schemas-microsoft-com:vml" xmlns:pvml="urn:schemas-microsoft-com:office:powerpoint" xmlns:com="http://schemas.openxmlformats.org/drawingml/2006/compatibility" xmlns:p14="http://schemas.microsoft.com/office/powerpoint/2010/main">
+<p:sldLayout xmlns:a="http://schemas.openxmlformats.org/drawingml/2006/main" xmlns:r="http://schemas.openxmlformats.org/officeDocument/2006/relationships" xmlns:p="http://schemas.openxmlformats.org/presentationml/2006/main">
   <p:cSld name="Section title and description">
     <p:spTree>
       <p:nvGrpSpPr>
-        <p:cNvPr id="42" name="Shape 42"/>
+        <p:cNvPr id="1" name="Shape 42"/>
         <p:cNvGrpSpPr/>
         <p:nvPr/>
       </p:nvGrpSpPr>
@@ -3292,7 +3534,7 @@
           </a:ln>
         </p:spPr>
         <p:txBody>
-          <a:bodyPr anchorCtr="0" anchor="ctr" bIns="91425" lIns="91425" rIns="91425" tIns="91425">
+          <a:bodyPr lIns="91425" tIns="91425" rIns="91425" bIns="91425" anchor="ctr" anchorCtr="0">
             <a:noAutofit/>
           </a:bodyPr>
           <a:lstStyle/>
@@ -3303,9 +3545,6 @@
               </a:spcBef>
               <a:buNone/>
             </a:pPr>
-            <a:r>
-              <a:t/>
-            </a:r>
             <a:endParaRPr/>
           </a:p>
         </p:txBody>
@@ -3325,21 +3564,23 @@
             <a:avLst/>
           </a:prstGeom>
           <a:noFill/>
-          <a:ln cap="flat" cmpd="sng" w="38100">
+          <a:ln w="38100" cap="flat" cmpd="sng">
             <a:solidFill>
               <a:schemeClr val="accent5"/>
             </a:solidFill>
             <a:prstDash val="solid"/>
             <a:round/>
-            <a:headEnd len="med" w="med" type="none"/>
-            <a:tailEnd len="med" w="med" type="none"/>
+            <a:headEnd type="none" w="med" len="med"/>
+            <a:tailEnd type="none" w="med" len="med"/>
           </a:ln>
         </p:spPr>
       </p:cxnSp>
       <p:sp>
         <p:nvSpPr>
           <p:cNvPr id="45" name="Shape 45"/>
-          <p:cNvSpPr txBox="1"/>
+          <p:cNvSpPr txBox="1">
+            <a:spLocks noGrp="1"/>
+          </p:cNvSpPr>
           <p:nvPr>
             <p:ph type="title"/>
           </p:nvPr>
@@ -3354,7 +3595,7 @@
           </a:prstGeom>
         </p:spPr>
         <p:txBody>
-          <a:bodyPr anchorCtr="0" anchor="b" bIns="91425" lIns="91425" rIns="91425" tIns="91425"/>
+          <a:bodyPr lIns="91425" tIns="91425" rIns="91425" bIns="91425" anchor="b" anchorCtr="0"/>
           <a:lstStyle>
             <a:lvl1pPr lvl="0" algn="ctr">
               <a:spcBef>
@@ -3420,15 +3661,19 @@
               <a:defRPr sz="3800"/>
             </a:lvl9pPr>
           </a:lstStyle>
-          <a:p/>
+          <a:p>
+            <a:endParaRPr/>
+          </a:p>
         </p:txBody>
       </p:sp>
       <p:sp>
         <p:nvSpPr>
           <p:cNvPr id="46" name="Shape 46"/>
-          <p:cNvSpPr txBox="1"/>
+          <p:cNvSpPr txBox="1">
+            <a:spLocks noGrp="1"/>
+          </p:cNvSpPr>
           <p:nvPr>
-            <p:ph idx="1" type="subTitle"/>
+            <p:ph type="subTitle" idx="1"/>
           </p:nvPr>
         </p:nvSpPr>
         <p:spPr>
@@ -3441,7 +3686,7 @@
           </a:prstGeom>
         </p:spPr>
         <p:txBody>
-          <a:bodyPr anchorCtr="0" anchor="t" bIns="91425" lIns="91425" rIns="91425" tIns="91425"/>
+          <a:bodyPr lIns="91425" tIns="91425" rIns="91425" bIns="91425" anchor="t" anchorCtr="0"/>
           <a:lstStyle>
             <a:lvl1pPr lvl="0" algn="ctr">
               <a:lnSpc>
@@ -3633,15 +3878,19 @@
               </a:defRPr>
             </a:lvl9pPr>
           </a:lstStyle>
-          <a:p/>
+          <a:p>
+            <a:endParaRPr/>
+          </a:p>
         </p:txBody>
       </p:sp>
       <p:sp>
         <p:nvSpPr>
           <p:cNvPr id="47" name="Shape 47"/>
-          <p:cNvSpPr txBox="1"/>
+          <p:cNvSpPr txBox="1">
+            <a:spLocks noGrp="1"/>
+          </p:cNvSpPr>
           <p:nvPr>
-            <p:ph idx="2" type="body"/>
+            <p:ph type="body" idx="2"/>
           </p:nvPr>
         </p:nvSpPr>
         <p:spPr>
@@ -3654,7 +3903,7 @@
           </a:prstGeom>
         </p:spPr>
         <p:txBody>
-          <a:bodyPr anchorCtr="0" anchor="ctr" bIns="91425" lIns="91425" rIns="91425" tIns="91425"/>
+          <a:bodyPr lIns="91425" tIns="91425" rIns="91425" bIns="91425" anchor="ctr" anchorCtr="0"/>
           <a:lstStyle>
             <a:lvl1pPr lvl="0">
               <a:spcBef>
@@ -3711,15 +3960,19 @@
               <a:defRPr/>
             </a:lvl9pPr>
           </a:lstStyle>
-          <a:p/>
+          <a:p>
+            <a:endParaRPr/>
+          </a:p>
         </p:txBody>
       </p:sp>
       <p:sp>
         <p:nvSpPr>
           <p:cNvPr id="48" name="Shape 48"/>
-          <p:cNvSpPr txBox="1"/>
+          <p:cNvSpPr txBox="1">
+            <a:spLocks noGrp="1"/>
+          </p:cNvSpPr>
           <p:nvPr>
-            <p:ph idx="12" type="sldNum"/>
+            <p:ph type="sldNum" idx="12"/>
           </p:nvPr>
         </p:nvSpPr>
         <p:spPr>
@@ -3732,7 +3985,7 @@
           </a:prstGeom>
         </p:spPr>
         <p:txBody>
-          <a:bodyPr anchorCtr="0" anchor="ctr" bIns="91425" lIns="91425" rIns="91425" tIns="91425">
+          <a:bodyPr lIns="91425" tIns="91425" rIns="91425" bIns="91425" anchor="ctr" anchorCtr="0">
             <a:noAutofit/>
           </a:bodyPr>
           <a:lstStyle/>
@@ -3747,6 +4000,7 @@
               <a:rPr lang="zh-TW"/>
               <a:t>‹#›</a:t>
             </a:fld>
+            <a:endParaRPr lang="zh-TW"/>
           </a:p>
         </p:txBody>
       </p:sp>
@@ -3759,11 +4013,11 @@
 </file>
 
 <file path=ppt/slideLayouts/slideLayout9.xml><?xml version="1.0" encoding="utf-8"?>
-<p:sldLayout xmlns:a="http://schemas.openxmlformats.org/drawingml/2006/main" xmlns:r="http://schemas.openxmlformats.org/officeDocument/2006/relationships" xmlns:mc="http://schemas.openxmlformats.org/markup-compatibility/2006" xmlns:mv="urn:schemas-microsoft-com:mac:vml" xmlns:p="http://schemas.openxmlformats.org/presentationml/2006/main" xmlns:c="http://schemas.openxmlformats.org/drawingml/2006/chart" xmlns:dgm="http://schemas.openxmlformats.org/drawingml/2006/diagram" xmlns:o="urn:schemas-microsoft-com:office:office" xmlns:v="urn:schemas-microsoft-com:vml" xmlns:pvml="urn:schemas-microsoft-com:office:powerpoint" xmlns:com="http://schemas.openxmlformats.org/drawingml/2006/compatibility" xmlns:p14="http://schemas.microsoft.com/office/powerpoint/2010/main">
+<p:sldLayout xmlns:a="http://schemas.openxmlformats.org/drawingml/2006/main" xmlns:r="http://schemas.openxmlformats.org/officeDocument/2006/relationships" xmlns:p="http://schemas.openxmlformats.org/presentationml/2006/main">
   <p:cSld name="Caption">
     <p:spTree>
       <p:nvGrpSpPr>
-        <p:cNvPr id="49" name="Shape 49"/>
+        <p:cNvPr id="1" name="Shape 49"/>
         <p:cNvGrpSpPr/>
         <p:nvPr/>
       </p:nvGrpSpPr>
@@ -3778,9 +4032,11 @@
       <p:sp>
         <p:nvSpPr>
           <p:cNvPr id="50" name="Shape 50"/>
-          <p:cNvSpPr txBox="1"/>
+          <p:cNvSpPr txBox="1">
+            <a:spLocks noGrp="1"/>
+          </p:cNvSpPr>
           <p:nvPr>
-            <p:ph idx="1" type="body"/>
+            <p:ph type="body" idx="1"/>
           </p:nvPr>
         </p:nvSpPr>
         <p:spPr>
@@ -3793,7 +4049,7 @@
           </a:prstGeom>
         </p:spPr>
         <p:txBody>
-          <a:bodyPr anchorCtr="0" anchor="ctr" bIns="91425" lIns="91425" rIns="91425" tIns="91425"/>
+          <a:bodyPr lIns="91425" tIns="91425" rIns="91425" bIns="91425" anchor="ctr" anchorCtr="0"/>
           <a:lstStyle>
             <a:lvl1pPr lvl="0">
               <a:lnSpc>
@@ -3815,15 +4071,19 @@
               </a:defRPr>
             </a:lvl1pPr>
           </a:lstStyle>
-          <a:p/>
+          <a:p>
+            <a:endParaRPr/>
+          </a:p>
         </p:txBody>
       </p:sp>
       <p:sp>
         <p:nvSpPr>
           <p:cNvPr id="51" name="Shape 51"/>
-          <p:cNvSpPr txBox="1"/>
+          <p:cNvSpPr txBox="1">
+            <a:spLocks noGrp="1"/>
+          </p:cNvSpPr>
           <p:nvPr>
-            <p:ph idx="12" type="sldNum"/>
+            <p:ph type="sldNum" idx="12"/>
           </p:nvPr>
         </p:nvSpPr>
         <p:spPr>
@@ -3836,7 +4096,7 @@
           </a:prstGeom>
         </p:spPr>
         <p:txBody>
-          <a:bodyPr anchorCtr="0" anchor="ctr" bIns="91425" lIns="91425" rIns="91425" tIns="91425">
+          <a:bodyPr lIns="91425" tIns="91425" rIns="91425" bIns="91425" anchor="ctr" anchorCtr="0">
             <a:noAutofit/>
           </a:bodyPr>
           <a:lstStyle/>
@@ -3851,6 +4111,7 @@
               <a:rPr lang="zh-TW"/>
               <a:t>‹#›</a:t>
             </a:fld>
+            <a:endParaRPr lang="zh-TW"/>
           </a:p>
         </p:txBody>
       </p:sp>
@@ -3863,18 +4124,19 @@
 </file>
 
 <file path=ppt/slideMasters/slideMaster1.xml><?xml version="1.0" encoding="utf-8"?>
-<p:sldMaster xmlns:a="http://schemas.openxmlformats.org/drawingml/2006/main" xmlns:r="http://schemas.openxmlformats.org/officeDocument/2006/relationships" xmlns:mc="http://schemas.openxmlformats.org/markup-compatibility/2006" xmlns:mv="urn:schemas-microsoft-com:mac:vml" xmlns:p="http://schemas.openxmlformats.org/presentationml/2006/main" xmlns:c="http://schemas.openxmlformats.org/drawingml/2006/chart" xmlns:dgm="http://schemas.openxmlformats.org/drawingml/2006/diagram" xmlns:o="urn:schemas-microsoft-com:office:office" xmlns:v="urn:schemas-microsoft-com:vml" xmlns:pvml="urn:schemas-microsoft-com:office:powerpoint" xmlns:com="http://schemas.openxmlformats.org/drawingml/2006/compatibility" xmlns:p14="http://schemas.microsoft.com/office/powerpoint/2010/main">
+<p:sldMaster xmlns:a="http://schemas.openxmlformats.org/drawingml/2006/main" xmlns:r="http://schemas.openxmlformats.org/officeDocument/2006/relationships" xmlns:p="http://schemas.openxmlformats.org/presentationml/2006/main">
   <p:cSld>
     <p:bg>
       <p:bgPr>
         <a:solidFill>
           <a:schemeClr val="lt1"/>
         </a:solidFill>
+        <a:effectLst/>
       </p:bgPr>
     </p:bg>
     <p:spTree>
       <p:nvGrpSpPr>
-        <p:cNvPr id="5" name="Shape 5"/>
+        <p:cNvPr id="1" name="Shape 5"/>
         <p:cNvGrpSpPr/>
         <p:nvPr/>
       </p:nvGrpSpPr>
@@ -3889,7 +4151,9 @@
       <p:sp>
         <p:nvSpPr>
           <p:cNvPr id="6" name="Shape 6"/>
-          <p:cNvSpPr txBox="1"/>
+          <p:cNvSpPr txBox="1">
+            <a:spLocks noGrp="1"/>
+          </p:cNvSpPr>
           <p:nvPr>
             <p:ph type="title"/>
           </p:nvPr>
@@ -3908,7 +4172,7 @@
           </a:ln>
         </p:spPr>
         <p:txBody>
-          <a:bodyPr anchorCtr="0" anchor="b" bIns="91425" lIns="91425" rIns="91425" tIns="91425"/>
+          <a:bodyPr lIns="91425" tIns="91425" rIns="91425" bIns="91425" anchor="b" anchorCtr="0"/>
           <a:lstStyle>
             <a:lvl1pPr lvl="0">
               <a:spcBef>
@@ -4091,15 +4355,19 @@
               </a:defRPr>
             </a:lvl9pPr>
           </a:lstStyle>
-          <a:p/>
+          <a:p>
+            <a:endParaRPr/>
+          </a:p>
         </p:txBody>
       </p:sp>
       <p:sp>
         <p:nvSpPr>
           <p:cNvPr id="7" name="Shape 7"/>
-          <p:cNvSpPr txBox="1"/>
+          <p:cNvSpPr txBox="1">
+            <a:spLocks noGrp="1"/>
+          </p:cNvSpPr>
           <p:nvPr>
-            <p:ph idx="1" type="body"/>
+            <p:ph type="body" idx="1"/>
           </p:nvPr>
         </p:nvSpPr>
         <p:spPr>
@@ -4116,7 +4384,7 @@
           </a:ln>
         </p:spPr>
         <p:txBody>
-          <a:bodyPr anchorCtr="0" anchor="t" bIns="91425" lIns="91425" rIns="91425" tIns="91425"/>
+          <a:bodyPr lIns="91425" tIns="91425" rIns="91425" bIns="91425" anchor="t" anchorCtr="0"/>
           <a:lstStyle>
             <a:lvl1pPr lvl="0">
               <a:lnSpc>
@@ -4336,15 +4604,19 @@
               </a:defRPr>
             </a:lvl9pPr>
           </a:lstStyle>
-          <a:p/>
+          <a:p>
+            <a:endParaRPr/>
+          </a:p>
         </p:txBody>
       </p:sp>
       <p:sp>
         <p:nvSpPr>
           <p:cNvPr id="8" name="Shape 8"/>
-          <p:cNvSpPr txBox="1"/>
+          <p:cNvSpPr txBox="1">
+            <a:spLocks noGrp="1"/>
+          </p:cNvSpPr>
           <p:nvPr>
-            <p:ph idx="12" type="sldNum"/>
+            <p:ph type="sldNum" idx="12"/>
           </p:nvPr>
         </p:nvSpPr>
         <p:spPr>
@@ -4361,7 +4633,7 @@
           </a:ln>
         </p:spPr>
         <p:txBody>
-          <a:bodyPr anchorCtr="0" anchor="ctr" bIns="91425" lIns="91425" rIns="91425" tIns="91425">
+          <a:bodyPr lIns="91425" tIns="91425" rIns="91425" bIns="91425" anchor="ctr" anchorCtr="0">
             <a:noAutofit/>
           </a:bodyPr>
           <a:lstStyle/>
@@ -4384,12 +4656,21 @@
               </a:rPr>
               <a:t>‹#›</a:t>
             </a:fld>
+            <a:endParaRPr lang="zh-TW" sz="1000">
+              <a:solidFill>
+                <a:schemeClr val="dk1"/>
+              </a:solidFill>
+              <a:latin typeface="Roboto"/>
+              <a:ea typeface="Roboto"/>
+              <a:cs typeface="Roboto"/>
+              <a:sym typeface="Roboto"/>
+            </a:endParaRPr>
           </a:p>
         </p:txBody>
       </p:sp>
     </p:spTree>
   </p:cSld>
-  <p:clrMap accent1="accent1" accent2="accent2" accent3="accent3" accent4="accent4" accent5="accent5" accent6="accent6" bg1="lt1" bg2="dk2" tx1="dk1" tx2="lt2" folHlink="folHlink" hlink="hlink"/>
+  <p:clrMap bg1="lt1" tx1="dk1" bg2="dk2" tx2="lt2" accent1="accent1" accent2="accent2" accent3="accent3" accent4="accent4" accent5="accent5" accent6="accent6" hlink="hlink" folHlink="folHlink"/>
   <p:sldLayoutIdLst>
     <p:sldLayoutId id="2147483648" r:id="rId1"/>
     <p:sldLayoutId id="2147483649" r:id="rId2"/>
@@ -4403,10 +4684,10 @@
     <p:sldLayoutId id="2147483657" r:id="rId10"/>
     <p:sldLayoutId id="2147483658" r:id="rId11"/>
   </p:sldLayoutIdLst>
-  <p:hf dt="0" ftr="0" hdr="0" sldNum="0"/>
+  <p:hf sldNum="0" hdr="0" ftr="0" dt="0"/>
   <p:txStyles>
     <p:titleStyle>
-      <a:defPPr lvl="0" marR="0" rtl="0" algn="l">
+      <a:defPPr marR="0" lvl="0" algn="l" rtl="0">
         <a:lnSpc>
           <a:spcPct val="100000"/>
         </a:lnSpc>
@@ -4417,7 +4698,7 @@
           <a:spcPts val="0"/>
         </a:spcAft>
       </a:defPPr>
-      <a:lvl1pPr lvl="0" marR="0" rtl="0" algn="l">
+      <a:lvl1pPr marR="0" lvl="0" algn="l" rtl="0">
         <a:lnSpc>
           <a:spcPct val="100000"/>
         </a:lnSpc>
@@ -4428,7 +4709,7 @@
           <a:spcPts val="0"/>
         </a:spcAft>
         <a:buNone/>
-        <a:defRPr b="0" i="0" sz="1400" u="none" cap="none" strike="noStrike">
+        <a:defRPr sz="1400" b="0" i="0" u="none" strike="noStrike" cap="none">
           <a:solidFill>
             <a:srgbClr val="000000"/>
           </a:solidFill>
@@ -4440,7 +4721,7 @@
       </a:lvl1pPr>
     </p:titleStyle>
     <p:bodyStyle>
-      <a:defPPr lvl="0" marR="0" rtl="0" algn="l">
+      <a:defPPr marR="0" lvl="0" algn="l" rtl="0">
         <a:lnSpc>
           <a:spcPct val="100000"/>
         </a:lnSpc>
@@ -4451,7 +4732,7 @@
           <a:spcPts val="0"/>
         </a:spcAft>
       </a:defPPr>
-      <a:lvl1pPr lvl="0" marR="0" rtl="0" algn="l">
+      <a:lvl1pPr marR="0" lvl="0" algn="l" rtl="0">
         <a:lnSpc>
           <a:spcPct val="100000"/>
         </a:lnSpc>
@@ -4462,7 +4743,7 @@
           <a:spcPts val="0"/>
         </a:spcAft>
         <a:buNone/>
-        <a:defRPr b="0" i="0" sz="1400" u="none" cap="none" strike="noStrike">
+        <a:defRPr sz="1400" b="0" i="0" u="none" strike="noStrike" cap="none">
           <a:solidFill>
             <a:srgbClr val="000000"/>
           </a:solidFill>
@@ -4472,7 +4753,7 @@
           <a:sym typeface="Arial"/>
         </a:defRPr>
       </a:lvl1pPr>
-      <a:lvl2pPr lvl="1" marR="0" rtl="0" algn="l">
+      <a:lvl2pPr marR="0" lvl="1" algn="l" rtl="0">
         <a:lnSpc>
           <a:spcPct val="100000"/>
         </a:lnSpc>
@@ -4483,7 +4764,7 @@
           <a:spcPts val="0"/>
         </a:spcAft>
         <a:buNone/>
-        <a:defRPr b="0" i="0" sz="1400" u="none" cap="none" strike="noStrike">
+        <a:defRPr sz="1400" b="0" i="0" u="none" strike="noStrike" cap="none">
           <a:solidFill>
             <a:srgbClr val="000000"/>
           </a:solidFill>
@@ -4493,7 +4774,7 @@
           <a:sym typeface="Arial"/>
         </a:defRPr>
       </a:lvl2pPr>
-      <a:lvl3pPr lvl="2" marR="0" rtl="0" algn="l">
+      <a:lvl3pPr marR="0" lvl="2" algn="l" rtl="0">
         <a:lnSpc>
           <a:spcPct val="100000"/>
         </a:lnSpc>
@@ -4504,7 +4785,7 @@
           <a:spcPts val="0"/>
         </a:spcAft>
         <a:buNone/>
-        <a:defRPr b="0" i="0" sz="1400" u="none" cap="none" strike="noStrike">
+        <a:defRPr sz="1400" b="0" i="0" u="none" strike="noStrike" cap="none">
           <a:solidFill>
             <a:srgbClr val="000000"/>
           </a:solidFill>
@@ -4514,7 +4795,7 @@
           <a:sym typeface="Arial"/>
         </a:defRPr>
       </a:lvl3pPr>
-      <a:lvl4pPr lvl="3" marR="0" rtl="0" algn="l">
+      <a:lvl4pPr marR="0" lvl="3" algn="l" rtl="0">
         <a:lnSpc>
           <a:spcPct val="100000"/>
         </a:lnSpc>
@@ -4525,7 +4806,7 @@
           <a:spcPts val="0"/>
         </a:spcAft>
         <a:buNone/>
-        <a:defRPr b="0" i="0" sz="1400" u="none" cap="none" strike="noStrike">
+        <a:defRPr sz="1400" b="0" i="0" u="none" strike="noStrike" cap="none">
           <a:solidFill>
             <a:srgbClr val="000000"/>
           </a:solidFill>
@@ -4535,7 +4816,7 @@
           <a:sym typeface="Arial"/>
         </a:defRPr>
       </a:lvl4pPr>
-      <a:lvl5pPr lvl="4" marR="0" rtl="0" algn="l">
+      <a:lvl5pPr marR="0" lvl="4" algn="l" rtl="0">
         <a:lnSpc>
           <a:spcPct val="100000"/>
         </a:lnSpc>
@@ -4546,7 +4827,7 @@
           <a:spcPts val="0"/>
         </a:spcAft>
         <a:buNone/>
-        <a:defRPr b="0" i="0" sz="1400" u="none" cap="none" strike="noStrike">
+        <a:defRPr sz="1400" b="0" i="0" u="none" strike="noStrike" cap="none">
           <a:solidFill>
             <a:srgbClr val="000000"/>
           </a:solidFill>
@@ -4556,7 +4837,7 @@
           <a:sym typeface="Arial"/>
         </a:defRPr>
       </a:lvl5pPr>
-      <a:lvl6pPr lvl="5" marR="0" rtl="0" algn="l">
+      <a:lvl6pPr marR="0" lvl="5" algn="l" rtl="0">
         <a:lnSpc>
           <a:spcPct val="100000"/>
         </a:lnSpc>
@@ -4567,7 +4848,7 @@
           <a:spcPts val="0"/>
         </a:spcAft>
         <a:buNone/>
-        <a:defRPr b="0" i="0" sz="1400" u="none" cap="none" strike="noStrike">
+        <a:defRPr sz="1400" b="0" i="0" u="none" strike="noStrike" cap="none">
           <a:solidFill>
             <a:srgbClr val="000000"/>
           </a:solidFill>
@@ -4577,7 +4858,7 @@
           <a:sym typeface="Arial"/>
         </a:defRPr>
       </a:lvl6pPr>
-      <a:lvl7pPr lvl="6" marR="0" rtl="0" algn="l">
+      <a:lvl7pPr marR="0" lvl="6" algn="l" rtl="0">
         <a:lnSpc>
           <a:spcPct val="100000"/>
         </a:lnSpc>
@@ -4588,7 +4869,7 @@
           <a:spcPts val="0"/>
         </a:spcAft>
         <a:buNone/>
-        <a:defRPr b="0" i="0" sz="1400" u="none" cap="none" strike="noStrike">
+        <a:defRPr sz="1400" b="0" i="0" u="none" strike="noStrike" cap="none">
           <a:solidFill>
             <a:srgbClr val="000000"/>
           </a:solidFill>
@@ -4598,7 +4879,7 @@
           <a:sym typeface="Arial"/>
         </a:defRPr>
       </a:lvl7pPr>
-      <a:lvl8pPr lvl="7" marR="0" rtl="0" algn="l">
+      <a:lvl8pPr marR="0" lvl="7" algn="l" rtl="0">
         <a:lnSpc>
           <a:spcPct val="100000"/>
         </a:lnSpc>
@@ -4609,7 +4890,7 @@
           <a:spcPts val="0"/>
         </a:spcAft>
         <a:buNone/>
-        <a:defRPr b="0" i="0" sz="1400" u="none" cap="none" strike="noStrike">
+        <a:defRPr sz="1400" b="0" i="0" u="none" strike="noStrike" cap="none">
           <a:solidFill>
             <a:srgbClr val="000000"/>
           </a:solidFill>
@@ -4619,7 +4900,7 @@
           <a:sym typeface="Arial"/>
         </a:defRPr>
       </a:lvl8pPr>
-      <a:lvl9pPr lvl="8" marR="0" rtl="0" algn="l">
+      <a:lvl9pPr marR="0" lvl="8" algn="l" rtl="0">
         <a:lnSpc>
           <a:spcPct val="100000"/>
         </a:lnSpc>
@@ -4630,7 +4911,7 @@
           <a:spcPts val="0"/>
         </a:spcAft>
         <a:buNone/>
-        <a:defRPr b="0" i="0" sz="1400" u="none" cap="none" strike="noStrike">
+        <a:defRPr sz="1400" b="0" i="0" u="none" strike="noStrike" cap="none">
           <a:solidFill>
             <a:srgbClr val="000000"/>
           </a:solidFill>
@@ -4642,7 +4923,7 @@
       </a:lvl9pPr>
     </p:bodyStyle>
     <p:otherStyle>
-      <a:defPPr lvl="0" marR="0" rtl="0" algn="l">
+      <a:defPPr marR="0" lvl="0" algn="l" rtl="0">
         <a:lnSpc>
           <a:spcPct val="100000"/>
         </a:lnSpc>
@@ -4653,7 +4934,7 @@
           <a:spcPts val="0"/>
         </a:spcAft>
       </a:defPPr>
-      <a:lvl1pPr lvl="0" marR="0" rtl="0" algn="l">
+      <a:lvl1pPr marR="0" lvl="0" algn="l" rtl="0">
         <a:lnSpc>
           <a:spcPct val="100000"/>
         </a:lnSpc>
@@ -4664,7 +4945,7 @@
           <a:spcPts val="0"/>
         </a:spcAft>
         <a:buNone/>
-        <a:defRPr b="0" i="0" sz="1400" u="none" cap="none" strike="noStrike">
+        <a:defRPr sz="1400" b="0" i="0" u="none" strike="noStrike" cap="none">
           <a:solidFill>
             <a:srgbClr val="000000"/>
           </a:solidFill>
@@ -4674,7 +4955,7 @@
           <a:sym typeface="Arial"/>
         </a:defRPr>
       </a:lvl1pPr>
-      <a:lvl2pPr lvl="1" marR="0" rtl="0" algn="l">
+      <a:lvl2pPr marR="0" lvl="1" algn="l" rtl="0">
         <a:lnSpc>
           <a:spcPct val="100000"/>
         </a:lnSpc>
@@ -4685,7 +4966,7 @@
           <a:spcPts val="0"/>
         </a:spcAft>
         <a:buNone/>
-        <a:defRPr b="0" i="0" sz="1400" u="none" cap="none" strike="noStrike">
+        <a:defRPr sz="1400" b="0" i="0" u="none" strike="noStrike" cap="none">
           <a:solidFill>
             <a:srgbClr val="000000"/>
           </a:solidFill>
@@ -4695,7 +4976,7 @@
           <a:sym typeface="Arial"/>
         </a:defRPr>
       </a:lvl2pPr>
-      <a:lvl3pPr lvl="2" marR="0" rtl="0" algn="l">
+      <a:lvl3pPr marR="0" lvl="2" algn="l" rtl="0">
         <a:lnSpc>
           <a:spcPct val="100000"/>
         </a:lnSpc>
@@ -4706,7 +4987,7 @@
           <a:spcPts val="0"/>
         </a:spcAft>
         <a:buNone/>
-        <a:defRPr b="0" i="0" sz="1400" u="none" cap="none" strike="noStrike">
+        <a:defRPr sz="1400" b="0" i="0" u="none" strike="noStrike" cap="none">
           <a:solidFill>
             <a:srgbClr val="000000"/>
           </a:solidFill>
@@ -4716,7 +4997,7 @@
           <a:sym typeface="Arial"/>
         </a:defRPr>
       </a:lvl3pPr>
-      <a:lvl4pPr lvl="3" marR="0" rtl="0" algn="l">
+      <a:lvl4pPr marR="0" lvl="3" algn="l" rtl="0">
         <a:lnSpc>
           <a:spcPct val="100000"/>
         </a:lnSpc>
@@ -4727,7 +5008,7 @@
           <a:spcPts val="0"/>
         </a:spcAft>
         <a:buNone/>
-        <a:defRPr b="0" i="0" sz="1400" u="none" cap="none" strike="noStrike">
+        <a:defRPr sz="1400" b="0" i="0" u="none" strike="noStrike" cap="none">
           <a:solidFill>
             <a:srgbClr val="000000"/>
           </a:solidFill>
@@ -4737,7 +5018,7 @@
           <a:sym typeface="Arial"/>
         </a:defRPr>
       </a:lvl4pPr>
-      <a:lvl5pPr lvl="4" marR="0" rtl="0" algn="l">
+      <a:lvl5pPr marR="0" lvl="4" algn="l" rtl="0">
         <a:lnSpc>
           <a:spcPct val="100000"/>
         </a:lnSpc>
@@ -4748,7 +5029,7 @@
           <a:spcPts val="0"/>
         </a:spcAft>
         <a:buNone/>
-        <a:defRPr b="0" i="0" sz="1400" u="none" cap="none" strike="noStrike">
+        <a:defRPr sz="1400" b="0" i="0" u="none" strike="noStrike" cap="none">
           <a:solidFill>
             <a:srgbClr val="000000"/>
           </a:solidFill>
@@ -4758,7 +5039,7 @@
           <a:sym typeface="Arial"/>
         </a:defRPr>
       </a:lvl5pPr>
-      <a:lvl6pPr lvl="5" marR="0" rtl="0" algn="l">
+      <a:lvl6pPr marR="0" lvl="5" algn="l" rtl="0">
         <a:lnSpc>
           <a:spcPct val="100000"/>
         </a:lnSpc>
@@ -4769,7 +5050,7 @@
           <a:spcPts val="0"/>
         </a:spcAft>
         <a:buNone/>
-        <a:defRPr b="0" i="0" sz="1400" u="none" cap="none" strike="noStrike">
+        <a:defRPr sz="1400" b="0" i="0" u="none" strike="noStrike" cap="none">
           <a:solidFill>
             <a:srgbClr val="000000"/>
           </a:solidFill>
@@ -4779,7 +5060,7 @@
           <a:sym typeface="Arial"/>
         </a:defRPr>
       </a:lvl6pPr>
-      <a:lvl7pPr lvl="6" marR="0" rtl="0" algn="l">
+      <a:lvl7pPr marR="0" lvl="6" algn="l" rtl="0">
         <a:lnSpc>
           <a:spcPct val="100000"/>
         </a:lnSpc>
@@ -4790,7 +5071,7 @@
           <a:spcPts val="0"/>
         </a:spcAft>
         <a:buNone/>
-        <a:defRPr b="0" i="0" sz="1400" u="none" cap="none" strike="noStrike">
+        <a:defRPr sz="1400" b="0" i="0" u="none" strike="noStrike" cap="none">
           <a:solidFill>
             <a:srgbClr val="000000"/>
           </a:solidFill>
@@ -4800,7 +5081,7 @@
           <a:sym typeface="Arial"/>
         </a:defRPr>
       </a:lvl7pPr>
-      <a:lvl8pPr lvl="7" marR="0" rtl="0" algn="l">
+      <a:lvl8pPr marR="0" lvl="7" algn="l" rtl="0">
         <a:lnSpc>
           <a:spcPct val="100000"/>
         </a:lnSpc>
@@ -4811,7 +5092,7 @@
           <a:spcPts val="0"/>
         </a:spcAft>
         <a:buNone/>
-        <a:defRPr b="0" i="0" sz="1400" u="none" cap="none" strike="noStrike">
+        <a:defRPr sz="1400" b="0" i="0" u="none" strike="noStrike" cap="none">
           <a:solidFill>
             <a:srgbClr val="000000"/>
           </a:solidFill>
@@ -4821,7 +5102,7 @@
           <a:sym typeface="Arial"/>
         </a:defRPr>
       </a:lvl8pPr>
-      <a:lvl9pPr lvl="8" marR="0" rtl="0" algn="l">
+      <a:lvl9pPr marR="0" lvl="8" algn="l" rtl="0">
         <a:lnSpc>
           <a:spcPct val="100000"/>
         </a:lnSpc>
@@ -4832,7 +5113,7 @@
           <a:spcPts val="0"/>
         </a:spcAft>
         <a:buNone/>
-        <a:defRPr b="0" i="0" sz="1400" u="none" cap="none" strike="noStrike">
+        <a:defRPr sz="1400" b="0" i="0" u="none" strike="noStrike" cap="none">
           <a:solidFill>
             <a:srgbClr val="000000"/>
           </a:solidFill>
@@ -4848,11 +5129,11 @@
 </file>
 
 <file path=ppt/slides/slide1.xml><?xml version="1.0" encoding="utf-8"?>
-<p:sld xmlns:a="http://schemas.openxmlformats.org/drawingml/2006/main" xmlns:r="http://schemas.openxmlformats.org/officeDocument/2006/relationships" xmlns:mc="http://schemas.openxmlformats.org/markup-compatibility/2006" xmlns:mv="urn:schemas-microsoft-com:mac:vml" xmlns:p="http://schemas.openxmlformats.org/presentationml/2006/main" xmlns:c="http://schemas.openxmlformats.org/drawingml/2006/chart" xmlns:dgm="http://schemas.openxmlformats.org/drawingml/2006/diagram" xmlns:o="urn:schemas-microsoft-com:office:office" xmlns:v="urn:schemas-microsoft-com:vml" xmlns:pvml="urn:schemas-microsoft-com:office:powerpoint" xmlns:com="http://schemas.openxmlformats.org/drawingml/2006/compatibility" xmlns:p14="http://schemas.microsoft.com/office/powerpoint/2010/main">
+<p:sld xmlns:a="http://schemas.openxmlformats.org/drawingml/2006/main" xmlns:r="http://schemas.openxmlformats.org/officeDocument/2006/relationships" xmlns:p="http://schemas.openxmlformats.org/presentationml/2006/main">
   <p:cSld>
     <p:spTree>
       <p:nvGrpSpPr>
-        <p:cNvPr id="62" name="Shape 62"/>
+        <p:cNvPr id="1" name="Shape 62"/>
         <p:cNvGrpSpPr/>
         <p:nvPr/>
       </p:nvGrpSpPr>
@@ -4867,7 +5148,9 @@
       <p:sp>
         <p:nvSpPr>
           <p:cNvPr id="63" name="Shape 63"/>
-          <p:cNvSpPr txBox="1"/>
+          <p:cNvSpPr txBox="1">
+            <a:spLocks noGrp="1"/>
+          </p:cNvSpPr>
           <p:nvPr>
             <p:ph type="ctrTitle"/>
           </p:nvPr>
@@ -4882,7 +5165,7 @@
           </a:prstGeom>
         </p:spPr>
         <p:txBody>
-          <a:bodyPr anchorCtr="0" anchor="b" bIns="91425" lIns="91425" rIns="91425" tIns="91425">
+          <a:bodyPr lIns="91425" tIns="91425" rIns="91425" bIns="91425" anchor="b" anchorCtr="0">
             <a:noAutofit/>
           </a:bodyPr>
           <a:lstStyle/>
@@ -4903,9 +5186,11 @@
       <p:sp>
         <p:nvSpPr>
           <p:cNvPr id="64" name="Shape 64"/>
-          <p:cNvSpPr txBox="1"/>
+          <p:cNvSpPr txBox="1">
+            <a:spLocks noGrp="1"/>
+          </p:cNvSpPr>
           <p:nvPr>
-            <p:ph idx="1" type="subTitle"/>
+            <p:ph type="subTitle" idx="1"/>
           </p:nvPr>
         </p:nvSpPr>
         <p:spPr>
@@ -4918,7 +5203,7 @@
           </a:prstGeom>
         </p:spPr>
         <p:txBody>
-          <a:bodyPr anchorCtr="0" anchor="t" bIns="91425" lIns="91425" rIns="91425" tIns="91425">
+          <a:bodyPr lIns="91425" tIns="91425" rIns="91425" bIns="91425" anchor="t" anchorCtr="0">
             <a:noAutofit/>
           </a:bodyPr>
           <a:lstStyle/>
@@ -4938,7 +5223,7 @@
       </p:sp>
       <p:pic>
         <p:nvPicPr>
-          <p:cNvPr descr="by-nc-sa.png" id="65" name="Shape 65"/>
+          <p:cNvPr id="65" name="Shape 65" descr="by-nc-sa.png"/>
           <p:cNvPicPr preferRelativeResize="0"/>
           <p:nvPr/>
         </p:nvPicPr>
@@ -4984,7 +5269,7 @@
           </a:ln>
         </p:spPr>
         <p:txBody>
-          <a:bodyPr anchorCtr="0" anchor="t" bIns="91425" lIns="91425" rIns="91425" tIns="91425">
+          <a:bodyPr lIns="91425" tIns="91425" rIns="91425" bIns="91425" anchor="t" anchorCtr="0">
             <a:noAutofit/>
           </a:bodyPr>
           <a:lstStyle/>
@@ -5052,11 +5337,11 @@
 </file>
 
 <file path=ppt/slides/slide2.xml><?xml version="1.0" encoding="utf-8"?>
-<p:sld xmlns:a="http://schemas.openxmlformats.org/drawingml/2006/main" xmlns:r="http://schemas.openxmlformats.org/officeDocument/2006/relationships" xmlns:mc="http://schemas.openxmlformats.org/markup-compatibility/2006" xmlns:mv="urn:schemas-microsoft-com:mac:vml" xmlns:p="http://schemas.openxmlformats.org/presentationml/2006/main" xmlns:c="http://schemas.openxmlformats.org/drawingml/2006/chart" xmlns:dgm="http://schemas.openxmlformats.org/drawingml/2006/diagram" xmlns:o="urn:schemas-microsoft-com:office:office" xmlns:v="urn:schemas-microsoft-com:vml" xmlns:pvml="urn:schemas-microsoft-com:office:powerpoint" xmlns:com="http://schemas.openxmlformats.org/drawingml/2006/compatibility" xmlns:p14="http://schemas.microsoft.com/office/powerpoint/2010/main">
+<p:sld xmlns:a="http://schemas.openxmlformats.org/drawingml/2006/main" xmlns:r="http://schemas.openxmlformats.org/officeDocument/2006/relationships" xmlns:p="http://schemas.openxmlformats.org/presentationml/2006/main">
   <p:cSld>
     <p:spTree>
       <p:nvGrpSpPr>
-        <p:cNvPr id="70" name="Shape 70"/>
+        <p:cNvPr id="1" name="Shape 70"/>
         <p:cNvGrpSpPr/>
         <p:nvPr/>
       </p:nvGrpSpPr>
@@ -5071,7 +5356,9 @@
       <p:sp>
         <p:nvSpPr>
           <p:cNvPr id="71" name="Shape 71"/>
-          <p:cNvSpPr txBox="1"/>
+          <p:cNvSpPr txBox="1">
+            <a:spLocks noGrp="1"/>
+          </p:cNvSpPr>
           <p:nvPr>
             <p:ph type="title"/>
           </p:nvPr>
@@ -5086,7 +5373,7 @@
           </a:prstGeom>
         </p:spPr>
         <p:txBody>
-          <a:bodyPr anchorCtr="0" anchor="b" bIns="91425" lIns="91425" rIns="91425" tIns="91425">
+          <a:bodyPr lIns="91425" tIns="91425" rIns="91425" bIns="91425" anchor="b" anchorCtr="0">
             <a:noAutofit/>
           </a:bodyPr>
           <a:lstStyle/>
@@ -5107,9 +5394,11 @@
       <p:sp>
         <p:nvSpPr>
           <p:cNvPr id="72" name="Shape 72"/>
-          <p:cNvSpPr txBox="1"/>
+          <p:cNvSpPr txBox="1">
+            <a:spLocks noGrp="1"/>
+          </p:cNvSpPr>
           <p:nvPr>
-            <p:ph idx="1" type="body"/>
+            <p:ph type="body" idx="1"/>
           </p:nvPr>
         </p:nvSpPr>
         <p:spPr>
@@ -5122,12 +5411,12 @@
           </a:prstGeom>
         </p:spPr>
         <p:txBody>
-          <a:bodyPr anchorCtr="0" anchor="t" bIns="91425" lIns="91425" rIns="91425" tIns="91425">
+          <a:bodyPr lIns="91425" tIns="91425" rIns="91425" bIns="91425" anchor="t" anchorCtr="0">
             <a:noAutofit/>
           </a:bodyPr>
           <a:lstStyle/>
           <a:p>
-            <a:pPr indent="-228600" lvl="0" marL="457200" rtl="0">
+            <a:pPr marL="457200" lvl="0" indent="-228600" rtl="0">
               <a:spcBef>
                 <a:spcPts val="0"/>
               </a:spcBef>
@@ -5138,7 +5427,7 @@
             </a:r>
           </a:p>
           <a:p>
-            <a:pPr indent="-228600" lvl="1" marL="914400" rtl="0">
+            <a:pPr marL="914400" lvl="1" indent="-228600" rtl="0">
               <a:spcBef>
                 <a:spcPts val="0"/>
               </a:spcBef>
@@ -5149,7 +5438,7 @@
             </a:r>
           </a:p>
           <a:p>
-            <a:pPr indent="-228600" lvl="1" marL="914400" rtl="0">
+            <a:pPr marL="914400" lvl="1" indent="-228600" rtl="0">
               <a:spcBef>
                 <a:spcPts val="0"/>
               </a:spcBef>
@@ -5160,7 +5449,7 @@
             </a:r>
           </a:p>
           <a:p>
-            <a:pPr indent="-228600" lvl="0" marL="457200" rtl="0">
+            <a:pPr marL="457200" lvl="0" indent="-228600" rtl="0">
               <a:spcBef>
                 <a:spcPts val="0"/>
               </a:spcBef>
@@ -5171,7 +5460,7 @@
             </a:r>
           </a:p>
           <a:p>
-            <a:pPr indent="-228600" lvl="1" marL="914400" rtl="0">
+            <a:pPr marL="914400" lvl="1" indent="-228600" rtl="0">
               <a:spcBef>
                 <a:spcPts val="0"/>
               </a:spcBef>
@@ -5182,7 +5471,7 @@
             </a:r>
           </a:p>
           <a:p>
-            <a:pPr indent="-228600" lvl="1" marL="914400">
+            <a:pPr marL="914400" lvl="1" indent="-228600">
               <a:spcBef>
                 <a:spcPts val="0"/>
               </a:spcBef>
@@ -5203,11 +5492,11 @@
 </file>
 
 <file path=ppt/slides/slide3.xml><?xml version="1.0" encoding="utf-8"?>
-<p:sld xmlns:a="http://schemas.openxmlformats.org/drawingml/2006/main" xmlns:r="http://schemas.openxmlformats.org/officeDocument/2006/relationships" xmlns:mc="http://schemas.openxmlformats.org/markup-compatibility/2006" xmlns:mv="urn:schemas-microsoft-com:mac:vml" xmlns:p="http://schemas.openxmlformats.org/presentationml/2006/main" xmlns:c="http://schemas.openxmlformats.org/drawingml/2006/chart" xmlns:dgm="http://schemas.openxmlformats.org/drawingml/2006/diagram" xmlns:o="urn:schemas-microsoft-com:office:office" xmlns:v="urn:schemas-microsoft-com:vml" xmlns:pvml="urn:schemas-microsoft-com:office:powerpoint" xmlns:com="http://schemas.openxmlformats.org/drawingml/2006/compatibility" xmlns:p14="http://schemas.microsoft.com/office/powerpoint/2010/main">
+<p:sld xmlns:a="http://schemas.openxmlformats.org/drawingml/2006/main" xmlns:r="http://schemas.openxmlformats.org/officeDocument/2006/relationships" xmlns:p="http://schemas.openxmlformats.org/presentationml/2006/main">
   <p:cSld>
     <p:spTree>
       <p:nvGrpSpPr>
-        <p:cNvPr id="76" name="Shape 76"/>
+        <p:cNvPr id="1" name="Shape 76"/>
         <p:cNvGrpSpPr/>
         <p:nvPr/>
       </p:nvGrpSpPr>
@@ -5222,7 +5511,9 @@
       <p:sp>
         <p:nvSpPr>
           <p:cNvPr id="77" name="Shape 77"/>
-          <p:cNvSpPr txBox="1"/>
+          <p:cNvSpPr txBox="1">
+            <a:spLocks noGrp="1"/>
+          </p:cNvSpPr>
           <p:nvPr>
             <p:ph type="title"/>
           </p:nvPr>
@@ -5237,7 +5528,7 @@
           </a:prstGeom>
         </p:spPr>
         <p:txBody>
-          <a:bodyPr anchorCtr="0" anchor="b" bIns="91425" lIns="91425" rIns="91425" tIns="91425">
+          <a:bodyPr lIns="91425" tIns="91425" rIns="91425" bIns="91425" anchor="b" anchorCtr="0">
             <a:noAutofit/>
           </a:bodyPr>
           <a:lstStyle/>
@@ -5258,9 +5549,11 @@
       <p:sp>
         <p:nvSpPr>
           <p:cNvPr id="78" name="Shape 78"/>
-          <p:cNvSpPr txBox="1"/>
+          <p:cNvSpPr txBox="1">
+            <a:spLocks noGrp="1"/>
+          </p:cNvSpPr>
           <p:nvPr>
-            <p:ph idx="1" type="body"/>
+            <p:ph type="body" idx="1"/>
           </p:nvPr>
         </p:nvSpPr>
         <p:spPr>
@@ -5273,12 +5566,12 @@
           </a:prstGeom>
         </p:spPr>
         <p:txBody>
-          <a:bodyPr anchorCtr="0" anchor="t" bIns="91425" lIns="91425" rIns="91425" tIns="91425">
+          <a:bodyPr lIns="91425" tIns="91425" rIns="91425" bIns="91425" anchor="t" anchorCtr="0">
             <a:noAutofit/>
           </a:bodyPr>
           <a:lstStyle/>
           <a:p>
-            <a:pPr indent="-228600" lvl="0" marL="457200" rtl="0">
+            <a:pPr marL="457200" lvl="0" indent="-228600" rtl="0">
               <a:spcBef>
                 <a:spcPts val="0"/>
               </a:spcBef>
@@ -5289,7 +5582,7 @@
             </a:r>
           </a:p>
           <a:p>
-            <a:pPr indent="-228600" lvl="1" marL="914400" rtl="0">
+            <a:pPr marL="914400" lvl="1" indent="-228600" rtl="0">
               <a:spcBef>
                 <a:spcPts val="0"/>
               </a:spcBef>
@@ -5300,7 +5593,7 @@
             </a:r>
           </a:p>
           <a:p>
-            <a:pPr indent="-228600" lvl="1" marL="914400">
+            <a:pPr marL="914400" lvl="1" indent="-228600">
               <a:spcBef>
                 <a:spcPts val="0"/>
               </a:spcBef>
@@ -5321,11 +5614,65 @@
 </file>
 
 <file path=ppt/slides/slide4.xml><?xml version="1.0" encoding="utf-8"?>
-<p:sld xmlns:a="http://schemas.openxmlformats.org/drawingml/2006/main" xmlns:r="http://schemas.openxmlformats.org/officeDocument/2006/relationships" xmlns:mc="http://schemas.openxmlformats.org/markup-compatibility/2006" xmlns:mv="urn:schemas-microsoft-com:mac:vml" xmlns:p="http://schemas.openxmlformats.org/presentationml/2006/main" xmlns:c="http://schemas.openxmlformats.org/drawingml/2006/chart" xmlns:dgm="http://schemas.openxmlformats.org/drawingml/2006/diagram" xmlns:o="urn:schemas-microsoft-com:office:office" xmlns:v="urn:schemas-microsoft-com:vml" xmlns:pvml="urn:schemas-microsoft-com:office:powerpoint" xmlns:com="http://schemas.openxmlformats.org/drawingml/2006/compatibility" xmlns:p14="http://schemas.microsoft.com/office/powerpoint/2010/main">
+<p:sld xmlns:a="http://schemas.openxmlformats.org/drawingml/2006/main" xmlns:r="http://schemas.openxmlformats.org/officeDocument/2006/relationships" xmlns:p="http://schemas.openxmlformats.org/presentationml/2006/main">
   <p:cSld>
     <p:spTree>
       <p:nvGrpSpPr>
-        <p:cNvPr id="82" name="Shape 82"/>
+        <p:cNvPr id="1" name=""/>
+        <p:cNvGrpSpPr/>
+        <p:nvPr/>
+      </p:nvGrpSpPr>
+      <p:grpSpPr>
+        <a:xfrm>
+          <a:off x="0" y="0"/>
+          <a:ext cx="0" cy="0"/>
+          <a:chOff x="0" y="0"/>
+          <a:chExt cx="0" cy="0"/>
+        </a:xfrm>
+      </p:grpSpPr>
+      <p:pic>
+        <p:nvPicPr>
+          <p:cNvPr id="4" name="圖片 3"/>
+          <p:cNvPicPr>
+            <a:picLocks noChangeAspect="1"/>
+          </p:cNvPicPr>
+          <p:nvPr/>
+        </p:nvPicPr>
+        <p:blipFill>
+          <a:blip r:embed="rId2"/>
+          <a:stretch>
+            <a:fillRect/>
+          </a:stretch>
+        </p:blipFill>
+        <p:spPr>
+          <a:xfrm>
+            <a:off x="1970733" y="459345"/>
+            <a:ext cx="4800600" cy="4124325"/>
+          </a:xfrm>
+          <a:prstGeom prst="rect">
+            <a:avLst/>
+          </a:prstGeom>
+        </p:spPr>
+      </p:pic>
+    </p:spTree>
+    <p:extLst>
+      <p:ext uri="{BB962C8B-B14F-4D97-AF65-F5344CB8AC3E}">
+        <p14:creationId xmlns:p14="http://schemas.microsoft.com/office/powerpoint/2010/main" val="2523279633"/>
+      </p:ext>
+    </p:extLst>
+  </p:cSld>
+  <p:clrMapOvr>
+    <a:masterClrMapping/>
+  </p:clrMapOvr>
+</p:sld>
+</file>
+
+<file path=ppt/slides/slide5.xml><?xml version="1.0" encoding="utf-8"?>
+<p:sld xmlns:a="http://schemas.openxmlformats.org/drawingml/2006/main" xmlns:r="http://schemas.openxmlformats.org/officeDocument/2006/relationships" xmlns:p="http://schemas.openxmlformats.org/presentationml/2006/main">
+  <p:cSld>
+    <p:spTree>
+      <p:nvGrpSpPr>
+        <p:cNvPr id="1" name="Shape 82"/>
         <p:cNvGrpSpPr/>
         <p:nvPr/>
       </p:nvGrpSpPr>
@@ -5340,7 +5687,9 @@
       <p:sp>
         <p:nvSpPr>
           <p:cNvPr id="83" name="Shape 83"/>
-          <p:cNvSpPr txBox="1"/>
+          <p:cNvSpPr txBox="1">
+            <a:spLocks noGrp="1"/>
+          </p:cNvSpPr>
           <p:nvPr>
             <p:ph type="title"/>
           </p:nvPr>
@@ -5355,7 +5704,7 @@
           </a:prstGeom>
         </p:spPr>
         <p:txBody>
-          <a:bodyPr anchorCtr="0" anchor="b" bIns="91425" lIns="91425" rIns="91425" tIns="91425">
+          <a:bodyPr lIns="91425" tIns="91425" rIns="91425" bIns="91425" anchor="b" anchorCtr="0">
             <a:noAutofit/>
           </a:bodyPr>
           <a:lstStyle/>
@@ -5376,9 +5725,11 @@
       <p:sp>
         <p:nvSpPr>
           <p:cNvPr id="84" name="Shape 84"/>
-          <p:cNvSpPr txBox="1"/>
+          <p:cNvSpPr txBox="1">
+            <a:spLocks noGrp="1"/>
+          </p:cNvSpPr>
           <p:nvPr>
-            <p:ph idx="1" type="body"/>
+            <p:ph type="body" idx="1"/>
           </p:nvPr>
         </p:nvSpPr>
         <p:spPr>
@@ -5391,84 +5742,84 @@
           </a:prstGeom>
         </p:spPr>
         <p:txBody>
-          <a:bodyPr anchorCtr="0" anchor="t" bIns="91425" lIns="91425" rIns="91425" tIns="91425">
+          <a:bodyPr lIns="91425" tIns="91425" rIns="91425" bIns="91425" anchor="t" anchorCtr="0">
             <a:noAutofit/>
           </a:bodyPr>
           <a:lstStyle/>
           <a:p>
-            <a:pPr indent="-228600" lvl="0" marL="457200" rtl="0">
+            <a:pPr marL="457200" lvl="0" indent="-228600" rtl="0">
               <a:spcBef>
                 <a:spcPts val="0"/>
               </a:spcBef>
             </a:pPr>
             <a:r>
-              <a:rPr lang="zh-TW"/>
+              <a:rPr lang="zh-TW" dirty="0"/>
               <a:t>實驗目的</a:t>
             </a:r>
           </a:p>
           <a:p>
-            <a:pPr indent="-228600" lvl="1" marL="914400" rtl="0">
+            <a:pPr marL="914400" lvl="1" indent="-228600" rtl="0">
               <a:spcBef>
                 <a:spcPts val="0"/>
               </a:spcBef>
             </a:pPr>
             <a:r>
-              <a:rPr lang="zh-TW"/>
+              <a:rPr lang="zh-TW" dirty="0"/>
               <a:t>瞭解遞迴的意義與使用時機</a:t>
             </a:r>
           </a:p>
           <a:p>
-            <a:pPr indent="-228600" lvl="0" marL="457200" rtl="0">
+            <a:pPr marL="457200" lvl="0" indent="-228600" rtl="0">
               <a:spcBef>
                 <a:spcPts val="0"/>
               </a:spcBef>
             </a:pPr>
             <a:r>
-              <a:rPr lang="zh-TW"/>
+              <a:rPr lang="zh-TW" dirty="0"/>
               <a:t>實驗檢查項目</a:t>
             </a:r>
           </a:p>
           <a:p>
-            <a:pPr indent="-228600" lvl="1" marL="914400" rtl="0">
+            <a:pPr marL="914400" lvl="1" indent="-228600" rtl="0">
               <a:spcBef>
                 <a:spcPts val="0"/>
               </a:spcBef>
             </a:pPr>
             <a:r>
-              <a:rPr lang="zh-TW"/>
+              <a:rPr lang="zh-TW" dirty="0"/>
               <a:t>最大公因數</a:t>
             </a:r>
           </a:p>
           <a:p>
-            <a:pPr indent="-228600" lvl="2" marL="1371600" rtl="0">
+            <a:pPr marL="1371600" lvl="2" indent="-228600" rtl="0">
               <a:spcBef>
                 <a:spcPts val="0"/>
               </a:spcBef>
             </a:pPr>
             <a:r>
-              <a:rPr lang="zh-TW"/>
+              <a:rPr lang="zh-TW" dirty="0"/>
               <a:t>輸入：整數 n, m</a:t>
             </a:r>
           </a:p>
           <a:p>
-            <a:pPr indent="-228600" lvl="2" marL="1371600" rtl="0">
+            <a:pPr marL="1371600" lvl="2" indent="-228600" rtl="0">
               <a:spcBef>
                 <a:spcPts val="0"/>
               </a:spcBef>
             </a:pPr>
             <a:r>
-              <a:rPr lang="zh-TW"/>
+              <a:rPr lang="zh-TW" dirty="0"/>
               <a:t>輸出：gcd(n, m)</a:t>
             </a:r>
           </a:p>
           <a:p>
-            <a:pPr indent="-228600" lvl="2" marL="1371600">
+            <a:pPr marL="1371600" lvl="2" indent="-228600">
               <a:spcBef>
                 <a:spcPts val="0"/>
               </a:spcBef>
             </a:pPr>
             <a:r>
-              <a:rPr lang="zh-TW"/>
+              <a:rPr lang="zh-TW" dirty="0"/>
               <a:t>限制：僅能使用遞迴</a:t>
             </a:r>
           </a:p>
@@ -5482,12 +5833,12 @@
 </p:sld>
 </file>
 
-<file path=ppt/slides/slide5.xml><?xml version="1.0" encoding="utf-8"?>
-<p:sld xmlns:a="http://schemas.openxmlformats.org/drawingml/2006/main" xmlns:r="http://schemas.openxmlformats.org/officeDocument/2006/relationships" xmlns:mc="http://schemas.openxmlformats.org/markup-compatibility/2006" xmlns:mv="urn:schemas-microsoft-com:mac:vml" xmlns:p="http://schemas.openxmlformats.org/presentationml/2006/main" xmlns:c="http://schemas.openxmlformats.org/drawingml/2006/chart" xmlns:dgm="http://schemas.openxmlformats.org/drawingml/2006/diagram" xmlns:o="urn:schemas-microsoft-com:office:office" xmlns:v="urn:schemas-microsoft-com:vml" xmlns:pvml="urn:schemas-microsoft-com:office:powerpoint" xmlns:com="http://schemas.openxmlformats.org/drawingml/2006/compatibility" xmlns:p14="http://schemas.microsoft.com/office/powerpoint/2010/main">
+<file path=ppt/slides/slide6.xml><?xml version="1.0" encoding="utf-8"?>
+<p:sld xmlns:a="http://schemas.openxmlformats.org/drawingml/2006/main" xmlns:r="http://schemas.openxmlformats.org/officeDocument/2006/relationships" xmlns:p="http://schemas.openxmlformats.org/presentationml/2006/main">
   <p:cSld>
     <p:spTree>
       <p:nvGrpSpPr>
-        <p:cNvPr id="88" name="Shape 88"/>
+        <p:cNvPr id="1" name="Shape 88"/>
         <p:cNvGrpSpPr/>
         <p:nvPr/>
       </p:nvGrpSpPr>
@@ -5502,7 +5853,9 @@
       <p:sp>
         <p:nvSpPr>
           <p:cNvPr id="89" name="Shape 89"/>
-          <p:cNvSpPr txBox="1"/>
+          <p:cNvSpPr txBox="1">
+            <a:spLocks noGrp="1"/>
+          </p:cNvSpPr>
           <p:nvPr>
             <p:ph type="title"/>
           </p:nvPr>
@@ -5517,7 +5870,7 @@
           </a:prstGeom>
         </p:spPr>
         <p:txBody>
-          <a:bodyPr anchorCtr="0" anchor="b" bIns="91425" lIns="91425" rIns="91425" tIns="91425">
+          <a:bodyPr lIns="91425" tIns="91425" rIns="91425" bIns="91425" anchor="b" anchorCtr="0">
             <a:noAutofit/>
           </a:bodyPr>
           <a:lstStyle/>
@@ -5538,9 +5891,11 @@
       <p:sp>
         <p:nvSpPr>
           <p:cNvPr id="90" name="Shape 90"/>
-          <p:cNvSpPr txBox="1"/>
+          <p:cNvSpPr txBox="1">
+            <a:spLocks noGrp="1"/>
+          </p:cNvSpPr>
           <p:nvPr>
-            <p:ph idx="1" type="body"/>
+            <p:ph type="body" idx="1"/>
           </p:nvPr>
         </p:nvSpPr>
         <p:spPr>
@@ -5553,12 +5908,12 @@
           </a:prstGeom>
         </p:spPr>
         <p:txBody>
-          <a:bodyPr anchorCtr="0" anchor="t" bIns="91425" lIns="91425" rIns="91425" tIns="91425">
+          <a:bodyPr lIns="91425" tIns="91425" rIns="91425" bIns="91425" anchor="t" anchorCtr="0">
             <a:noAutofit/>
           </a:bodyPr>
           <a:lstStyle/>
           <a:p>
-            <a:pPr indent="-228600" lvl="0" marL="457200" rtl="0">
+            <a:pPr marL="457200" lvl="0" indent="-228600" rtl="0">
               <a:spcBef>
                 <a:spcPts val="0"/>
               </a:spcBef>
@@ -5569,7 +5924,7 @@
             </a:r>
           </a:p>
           <a:p>
-            <a:pPr indent="-228600" lvl="1" marL="914400" rtl="0">
+            <a:pPr marL="914400" lvl="1" indent="-228600" rtl="0">
               <a:spcBef>
                 <a:spcPts val="0"/>
               </a:spcBef>
@@ -5580,7 +5935,7 @@
             </a:r>
           </a:p>
           <a:p>
-            <a:pPr indent="-228600" lvl="1" marL="914400" rtl="0">
+            <a:pPr marL="914400" lvl="1" indent="-228600" rtl="0">
               <a:spcBef>
                 <a:spcPts val="0"/>
               </a:spcBef>
@@ -5591,7 +5946,7 @@
             </a:r>
           </a:p>
           <a:p>
-            <a:pPr indent="-228600" lvl="1" marL="914400" rtl="0">
+            <a:pPr marL="914400" lvl="1" indent="-228600" rtl="0">
               <a:spcBef>
                 <a:spcPts val="0"/>
               </a:spcBef>
@@ -5611,12 +5966,12 @@
 </p:sld>
 </file>
 
-<file path=ppt/slides/slide6.xml><?xml version="1.0" encoding="utf-8"?>
-<p:sld xmlns:a="http://schemas.openxmlformats.org/drawingml/2006/main" xmlns:r="http://schemas.openxmlformats.org/officeDocument/2006/relationships" xmlns:mc="http://schemas.openxmlformats.org/markup-compatibility/2006" xmlns:mv="urn:schemas-microsoft-com:mac:vml" xmlns:p="http://schemas.openxmlformats.org/presentationml/2006/main" xmlns:c="http://schemas.openxmlformats.org/drawingml/2006/chart" xmlns:dgm="http://schemas.openxmlformats.org/drawingml/2006/diagram" xmlns:o="urn:schemas-microsoft-com:office:office" xmlns:v="urn:schemas-microsoft-com:vml" xmlns:pvml="urn:schemas-microsoft-com:office:powerpoint" xmlns:com="http://schemas.openxmlformats.org/drawingml/2006/compatibility" xmlns:p14="http://schemas.microsoft.com/office/powerpoint/2010/main">
+<file path=ppt/slides/slide7.xml><?xml version="1.0" encoding="utf-8"?>
+<p:sld xmlns:a="http://schemas.openxmlformats.org/drawingml/2006/main" xmlns:r="http://schemas.openxmlformats.org/officeDocument/2006/relationships" xmlns:p="http://schemas.openxmlformats.org/presentationml/2006/main">
   <p:cSld>
     <p:spTree>
       <p:nvGrpSpPr>
-        <p:cNvPr id="94" name="Shape 94"/>
+        <p:cNvPr id="1" name="Shape 94"/>
         <p:cNvGrpSpPr/>
         <p:nvPr/>
       </p:nvGrpSpPr>
@@ -5631,7 +5986,9 @@
       <p:sp>
         <p:nvSpPr>
           <p:cNvPr id="95" name="Shape 95"/>
-          <p:cNvSpPr txBox="1"/>
+          <p:cNvSpPr txBox="1">
+            <a:spLocks noGrp="1"/>
+          </p:cNvSpPr>
           <p:nvPr>
             <p:ph type="title"/>
           </p:nvPr>
@@ -5646,7 +6003,7 @@
           </a:prstGeom>
         </p:spPr>
         <p:txBody>
-          <a:bodyPr anchorCtr="0" anchor="b" bIns="91425" lIns="91425" rIns="91425" tIns="91425">
+          <a:bodyPr lIns="91425" tIns="91425" rIns="91425" bIns="91425" anchor="b" anchorCtr="0">
             <a:noAutofit/>
           </a:bodyPr>
           <a:lstStyle/>
@@ -5667,9 +6024,11 @@
       <p:sp>
         <p:nvSpPr>
           <p:cNvPr id="96" name="Shape 96"/>
-          <p:cNvSpPr txBox="1"/>
+          <p:cNvSpPr txBox="1">
+            <a:spLocks noGrp="1"/>
+          </p:cNvSpPr>
           <p:nvPr>
-            <p:ph idx="1" type="body"/>
+            <p:ph type="body" idx="1"/>
           </p:nvPr>
         </p:nvSpPr>
         <p:spPr>
@@ -5682,12 +6041,12 @@
           </a:prstGeom>
         </p:spPr>
         <p:txBody>
-          <a:bodyPr anchorCtr="0" anchor="t" bIns="91425" lIns="91425" rIns="91425" tIns="91425">
+          <a:bodyPr lIns="91425" tIns="91425" rIns="91425" bIns="91425" anchor="t" anchorCtr="0">
             <a:noAutofit/>
           </a:bodyPr>
           <a:lstStyle/>
           <a:p>
-            <a:pPr indent="-228600" lvl="0" marL="457200" rtl="0">
+            <a:pPr marL="457200" lvl="0" indent="-228600" rtl="0">
               <a:spcBef>
                 <a:spcPts val="0"/>
               </a:spcBef>
@@ -5698,7 +6057,7 @@
             </a:r>
           </a:p>
           <a:p>
-            <a:pPr indent="-228600" lvl="1" marL="914400" rtl="0">
+            <a:pPr marL="914400" lvl="1" indent="-228600" rtl="0">
               <a:spcBef>
                 <a:spcPts val="0"/>
               </a:spcBef>
@@ -5709,7 +6068,7 @@
             </a:r>
           </a:p>
           <a:p>
-            <a:pPr indent="-228600" lvl="1" marL="914400" rtl="0">
+            <a:pPr marL="914400" lvl="1" indent="-228600" rtl="0">
               <a:spcBef>
                 <a:spcPts val="0"/>
               </a:spcBef>
@@ -5729,7 +6088,7 @@
             </a:r>
           </a:p>
           <a:p>
-            <a:pPr indent="-228600" lvl="0" marL="457200" rtl="0">
+            <a:pPr marL="457200" lvl="0" indent="-228600" rtl="0">
               <a:spcBef>
                 <a:spcPts val="0"/>
               </a:spcBef>
@@ -5740,7 +6099,7 @@
             </a:r>
           </a:p>
           <a:p>
-            <a:pPr indent="-228600" lvl="1" marL="914400" rtl="0">
+            <a:pPr marL="914400" lvl="1" indent="-228600" rtl="0">
               <a:spcBef>
                 <a:spcPts val="0"/>
               </a:spcBef>
@@ -5769,12 +6128,83 @@
 </p:sld>
 </file>
 
-<file path=ppt/slides/slide7.xml><?xml version="1.0" encoding="utf-8"?>
-<p:sld xmlns:a="http://schemas.openxmlformats.org/drawingml/2006/main" xmlns:r="http://schemas.openxmlformats.org/officeDocument/2006/relationships" xmlns:mc="http://schemas.openxmlformats.org/markup-compatibility/2006" xmlns:mv="urn:schemas-microsoft-com:mac:vml" xmlns:p="http://schemas.openxmlformats.org/presentationml/2006/main" xmlns:c="http://schemas.openxmlformats.org/drawingml/2006/chart" xmlns:dgm="http://schemas.openxmlformats.org/drawingml/2006/diagram" xmlns:o="urn:schemas-microsoft-com:office:office" xmlns:v="urn:schemas-microsoft-com:vml" xmlns:pvml="urn:schemas-microsoft-com:office:powerpoint" xmlns:com="http://schemas.openxmlformats.org/drawingml/2006/compatibility" xmlns:p14="http://schemas.microsoft.com/office/powerpoint/2010/main">
+<file path=ppt/slides/slide8.xml><?xml version="1.0" encoding="utf-8"?>
+<p:sld xmlns:a="http://schemas.openxmlformats.org/drawingml/2006/main" xmlns:r="http://schemas.openxmlformats.org/officeDocument/2006/relationships" xmlns:p="http://schemas.openxmlformats.org/presentationml/2006/main">
   <p:cSld>
     <p:spTree>
       <p:nvGrpSpPr>
-        <p:cNvPr id="100" name="Shape 100"/>
+        <p:cNvPr id="1" name=""/>
+        <p:cNvGrpSpPr/>
+        <p:nvPr/>
+      </p:nvGrpSpPr>
+      <p:grpSpPr>
+        <a:xfrm>
+          <a:off x="0" y="0"/>
+          <a:ext cx="0" cy="0"/>
+          <a:chOff x="0" y="0"/>
+          <a:chExt cx="0" cy="0"/>
+        </a:xfrm>
+      </p:grpSpPr>
+      <p:sp>
+        <p:nvSpPr>
+          <p:cNvPr id="2" name="標題 1"/>
+          <p:cNvSpPr>
+            <a:spLocks noGrp="1"/>
+          </p:cNvSpPr>
+          <p:nvPr>
+            <p:ph type="title"/>
+          </p:nvPr>
+        </p:nvSpPr>
+        <p:spPr/>
+        <p:txBody>
+          <a:bodyPr/>
+          <a:lstStyle/>
+          <a:p>
+            <a:r>
+              <a:rPr lang="zh-TW" altLang="en-US" dirty="0"/>
+              <a:t>課堂練習</a:t>
+            </a:r>
+          </a:p>
+        </p:txBody>
+      </p:sp>
+      <p:sp>
+        <p:nvSpPr>
+          <p:cNvPr id="3" name="文字版面配置區 2"/>
+          <p:cNvSpPr>
+            <a:spLocks noGrp="1"/>
+          </p:cNvSpPr>
+          <p:nvPr>
+            <p:ph type="body" idx="1"/>
+          </p:nvPr>
+        </p:nvSpPr>
+        <p:spPr/>
+        <p:txBody>
+          <a:bodyPr/>
+          <a:lstStyle/>
+          <a:p>
+            <a:endParaRPr lang="zh-TW" altLang="en-US" dirty="0"/>
+          </a:p>
+        </p:txBody>
+      </p:sp>
+    </p:spTree>
+    <p:extLst>
+      <p:ext uri="{BB962C8B-B14F-4D97-AF65-F5344CB8AC3E}">
+        <p14:creationId xmlns:p14="http://schemas.microsoft.com/office/powerpoint/2010/main" val="914939643"/>
+      </p:ext>
+    </p:extLst>
+  </p:cSld>
+  <p:clrMapOvr>
+    <a:masterClrMapping/>
+  </p:clrMapOvr>
+</p:sld>
+</file>
+
+<file path=ppt/slides/slide9.xml><?xml version="1.0" encoding="utf-8"?>
+<p:sld xmlns:a="http://schemas.openxmlformats.org/drawingml/2006/main" xmlns:r="http://schemas.openxmlformats.org/officeDocument/2006/relationships" xmlns:p="http://schemas.openxmlformats.org/presentationml/2006/main">
+  <p:cSld>
+    <p:spTree>
+      <p:nvGrpSpPr>
+        <p:cNvPr id="1" name="Shape 100"/>
         <p:cNvGrpSpPr/>
         <p:nvPr/>
       </p:nvGrpSpPr>
@@ -5789,7 +6219,9 @@
       <p:sp>
         <p:nvSpPr>
           <p:cNvPr id="101" name="Shape 101"/>
-          <p:cNvSpPr txBox="1"/>
+          <p:cNvSpPr txBox="1">
+            <a:spLocks noGrp="1"/>
+          </p:cNvSpPr>
           <p:nvPr>
             <p:ph type="title"/>
           </p:nvPr>
@@ -5804,7 +6236,7 @@
           </a:prstGeom>
         </p:spPr>
         <p:txBody>
-          <a:bodyPr anchorCtr="0" anchor="b" bIns="91425" lIns="91425" rIns="91425" tIns="91425">
+          <a:bodyPr lIns="91425" tIns="91425" rIns="91425" bIns="91425" anchor="b" anchorCtr="0">
             <a:noAutofit/>
           </a:bodyPr>
           <a:lstStyle/>
@@ -5825,9 +6257,11 @@
       <p:sp>
         <p:nvSpPr>
           <p:cNvPr id="102" name="Shape 102"/>
-          <p:cNvSpPr txBox="1"/>
+          <p:cNvSpPr txBox="1">
+            <a:spLocks noGrp="1"/>
+          </p:cNvSpPr>
           <p:nvPr>
-            <p:ph idx="1" type="body"/>
+            <p:ph type="body" idx="1"/>
           </p:nvPr>
         </p:nvSpPr>
         <p:spPr>
@@ -5840,12 +6274,12 @@
           </a:prstGeom>
         </p:spPr>
         <p:txBody>
-          <a:bodyPr anchorCtr="0" anchor="t" bIns="91425" lIns="91425" rIns="91425" tIns="91425">
+          <a:bodyPr lIns="91425" tIns="91425" rIns="91425" bIns="91425" anchor="t" anchorCtr="0">
             <a:noAutofit/>
           </a:bodyPr>
           <a:lstStyle/>
           <a:p>
-            <a:pPr indent="-228600" lvl="0" marL="457200" rtl="0">
+            <a:pPr marL="457200" lvl="0" indent="-228600" rtl="0">
               <a:spcBef>
                 <a:spcPts val="0"/>
               </a:spcBef>
@@ -5856,7 +6290,7 @@
             </a:r>
           </a:p>
           <a:p>
-            <a:pPr indent="-228600" lvl="1" marL="914400" rtl="0">
+            <a:pPr marL="914400" lvl="1" indent="-228600" rtl="0">
               <a:spcBef>
                 <a:spcPts val="0"/>
               </a:spcBef>
@@ -5867,7 +6301,7 @@
             </a:r>
           </a:p>
           <a:p>
-            <a:pPr indent="-228600" lvl="0" marL="457200" rtl="0">
+            <a:pPr marL="457200" lvl="0" indent="-228600" rtl="0">
               <a:spcBef>
                 <a:spcPts val="0"/>
               </a:spcBef>
@@ -5878,7 +6312,7 @@
             </a:r>
           </a:p>
           <a:p>
-            <a:pPr indent="-228600" lvl="1" marL="914400" rtl="0">
+            <a:pPr marL="914400" lvl="1" indent="-228600" rtl="0">
               <a:spcBef>
                 <a:spcPts val="0"/>
               </a:spcBef>
@@ -5889,7 +6323,7 @@
             </a:r>
           </a:p>
           <a:p>
-            <a:pPr indent="-228600" lvl="1" marL="914400">
+            <a:pPr marL="914400" lvl="1" indent="-228600">
               <a:spcBef>
                 <a:spcPts val="0"/>
               </a:spcBef>
@@ -5910,7 +6344,7 @@
 </file>
 
 <file path=ppt/theme/theme1.xml><?xml version="1.0" encoding="utf-8"?>
-<a:theme xmlns:a="http://schemas.openxmlformats.org/drawingml/2006/main" xmlns:r="http://schemas.openxmlformats.org/officeDocument/2006/relationships" name="marina">
+<a:theme xmlns:a="http://schemas.openxmlformats.org/drawingml/2006/main" name="marina">
   <a:themeElements>
     <a:clrScheme name="Marina">
       <a:dk1>
@@ -6185,11 +6619,13 @@
       </a:bgFillStyleLst>
     </a:fmtScheme>
   </a:themeElements>
+  <a:objectDefaults/>
+  <a:extraClrSchemeLst/>
 </a:theme>
 </file>
 
 <file path=ppt/theme/theme2.xml><?xml version="1.0" encoding="utf-8"?>
-<a:theme xmlns:a="http://schemas.openxmlformats.org/drawingml/2006/main" xmlns:r="http://schemas.openxmlformats.org/officeDocument/2006/relationships" name="Custom Theme">
+<a:theme xmlns:a="http://schemas.openxmlformats.org/drawingml/2006/main" name="Custom Theme">
   <a:themeElements>
     <a:clrScheme name="Default">
       <a:dk1>
@@ -6464,5 +6900,7 @@
       </a:bgFillStyleLst>
     </a:fmtScheme>
   </a:themeElements>
+  <a:objectDefaults/>
+  <a:extraClrSchemeLst/>
 </a:theme>
 </file>
--- a/lab6/Lab 06 - 函式與遞迴.pptx
+++ b/lab6/Lab 06 - 函式與遞迴.pptx
@@ -5,33 +5,35 @@
     <p:sldMasterId id="2147483659" r:id="rId1"/>
   </p:sldMasterIdLst>
   <p:notesMasterIdLst>
-    <p:notesMasterId r:id="rId11"/>
+    <p:notesMasterId r:id="rId13"/>
   </p:notesMasterIdLst>
   <p:sldIdLst>
     <p:sldId id="256" r:id="rId2"/>
     <p:sldId id="257" r:id="rId3"/>
-    <p:sldId id="258" r:id="rId4"/>
-    <p:sldId id="263" r:id="rId5"/>
-    <p:sldId id="259" r:id="rId6"/>
-    <p:sldId id="260" r:id="rId7"/>
-    <p:sldId id="261" r:id="rId8"/>
-    <p:sldId id="264" r:id="rId9"/>
-    <p:sldId id="262" r:id="rId10"/>
+    <p:sldId id="266" r:id="rId4"/>
+    <p:sldId id="258" r:id="rId5"/>
+    <p:sldId id="263" r:id="rId6"/>
+    <p:sldId id="259" r:id="rId7"/>
+    <p:sldId id="267" r:id="rId8"/>
+    <p:sldId id="260" r:id="rId9"/>
+    <p:sldId id="261" r:id="rId10"/>
+    <p:sldId id="265" r:id="rId11"/>
+    <p:sldId id="262" r:id="rId12"/>
   </p:sldIdLst>
   <p:sldSz cx="9144000" cy="5143500" type="screen16x9"/>
   <p:notesSz cx="6858000" cy="9144000"/>
   <p:embeddedFontLst>
     <p:embeddedFont>
       <p:font typeface="Roboto Slab" panose="02020500000000000000" charset="0"/>
-      <p:regular r:id="rId12"/>
-      <p:bold r:id="rId13"/>
+      <p:regular r:id="rId14"/>
+      <p:bold r:id="rId15"/>
     </p:embeddedFont>
     <p:embeddedFont>
       <p:font typeface="Roboto" panose="02020500000000000000" charset="0"/>
-      <p:regular r:id="rId14"/>
-      <p:bold r:id="rId15"/>
-      <p:italic r:id="rId16"/>
-      <p:boldItalic r:id="rId17"/>
+      <p:regular r:id="rId16"/>
+      <p:bold r:id="rId17"/>
+      <p:italic r:id="rId18"/>
+      <p:boldItalic r:id="rId19"/>
     </p:embeddedFont>
   </p:embeddedFontLst>
   <p:defaultTextStyle>
@@ -236,6 +238,11 @@
       </a:defRPr>
     </a:lvl9pPr>
   </p:defaultTextStyle>
+  <p:extLst>
+    <p:ext uri="{EFAFB233-063F-42B5-8137-9DF3F51BA10A}">
+      <p15:sldGuideLst xmlns:p15="http://schemas.microsoft.com/office/powerpoint/2012/main"/>
+    </p:ext>
+  </p:extLst>
 </p:presentation>
 </file>
 
@@ -5336,6 +5343,287 @@
 </p:sld>
 </file>
 
+<file path=ppt/slides/slide10.xml><?xml version="1.0" encoding="utf-8"?>
+<p:sld xmlns:a="http://schemas.openxmlformats.org/drawingml/2006/main" xmlns:r="http://schemas.openxmlformats.org/officeDocument/2006/relationships" xmlns:p="http://schemas.openxmlformats.org/presentationml/2006/main">
+  <p:cSld>
+    <p:spTree>
+      <p:nvGrpSpPr>
+        <p:cNvPr id="1" name=""/>
+        <p:cNvGrpSpPr/>
+        <p:nvPr/>
+      </p:nvGrpSpPr>
+      <p:grpSpPr>
+        <a:xfrm>
+          <a:off x="0" y="0"/>
+          <a:ext cx="0" cy="0"/>
+          <a:chOff x="0" y="0"/>
+          <a:chExt cx="0" cy="0"/>
+        </a:xfrm>
+      </p:grpSpPr>
+      <p:sp>
+        <p:nvSpPr>
+          <p:cNvPr id="2" name="標題 1"/>
+          <p:cNvSpPr>
+            <a:spLocks noGrp="1"/>
+          </p:cNvSpPr>
+          <p:nvPr>
+            <p:ph type="title"/>
+          </p:nvPr>
+        </p:nvSpPr>
+        <p:spPr/>
+        <p:txBody>
+          <a:bodyPr/>
+          <a:lstStyle/>
+          <a:p>
+            <a:r>
+              <a:rPr lang="zh-TW" altLang="en-US" dirty="0"/>
+              <a:t>課堂練習</a:t>
+            </a:r>
+          </a:p>
+        </p:txBody>
+      </p:sp>
+      <p:sp>
+        <p:nvSpPr>
+          <p:cNvPr id="3" name="文字版面配置區 2"/>
+          <p:cNvSpPr>
+            <a:spLocks noGrp="1"/>
+          </p:cNvSpPr>
+          <p:nvPr>
+            <p:ph type="body" idx="1"/>
+          </p:nvPr>
+        </p:nvSpPr>
+        <p:spPr/>
+        <p:txBody>
+          <a:bodyPr/>
+          <a:lstStyle/>
+          <a:p>
+            <a:r>
+              <a:rPr lang="zh-TW" altLang="en-US" dirty="0"/>
+              <a:t>費氏數列</a:t>
+            </a:r>
+            <a:r>
+              <a:rPr lang="en-US" altLang="zh-TW" dirty="0"/>
+              <a:t>:</a:t>
+            </a:r>
+          </a:p>
+          <a:p>
+            <a:r>
+              <a:rPr lang="zh-TW" altLang="en-US" dirty="0"/>
+              <a:t>輸入整數 </a:t>
+            </a:r>
+            <a:r>
+              <a:rPr lang="en-US" altLang="zh-TW" dirty="0"/>
+              <a:t>n</a:t>
+            </a:r>
+            <a:r>
+              <a:rPr lang="zh-TW" altLang="en-US" dirty="0"/>
+              <a:t>，</a:t>
+            </a:r>
+            <a:r>
+              <a:rPr lang="en-US" altLang="zh-TW" dirty="0"/>
+              <a:t>n &lt;= 46</a:t>
+            </a:r>
+          </a:p>
+          <a:p>
+            <a:r>
+              <a:rPr lang="zh-TW" altLang="en-US" dirty="0"/>
+              <a:t>輸出同等於 </a:t>
+            </a:r>
+            <a:r>
+              <a:rPr lang="en-US" altLang="zh-TW" dirty="0"/>
+              <a:t>n </a:t>
+            </a:r>
+            <a:r>
+              <a:rPr lang="zh-TW" altLang="en-US" dirty="0"/>
+              <a:t>長度的費氏數列</a:t>
+            </a:r>
+            <a:r>
+              <a:rPr lang="en-US" altLang="zh-TW" dirty="0"/>
+              <a:t>:</a:t>
+            </a:r>
+          </a:p>
+          <a:p>
+            <a:r>
+              <a:rPr lang="zh-TW" altLang="en-US" dirty="0"/>
+              <a:t>*必須使用遞迴</a:t>
+            </a:r>
+            <a:endParaRPr lang="en-US" altLang="zh-TW" dirty="0"/>
+          </a:p>
+          <a:p>
+            <a:endParaRPr lang="en-US" altLang="zh-TW" dirty="0"/>
+          </a:p>
+        </p:txBody>
+      </p:sp>
+      <p:pic>
+        <p:nvPicPr>
+          <p:cNvPr id="4" name="圖片 3"/>
+          <p:cNvPicPr>
+            <a:picLocks noChangeAspect="1"/>
+          </p:cNvPicPr>
+          <p:nvPr/>
+        </p:nvPicPr>
+        <p:blipFill>
+          <a:blip r:embed="rId2"/>
+          <a:stretch>
+            <a:fillRect/>
+          </a:stretch>
+        </p:blipFill>
+        <p:spPr>
+          <a:xfrm>
+            <a:off x="170198" y="3623700"/>
+            <a:ext cx="8923743" cy="559855"/>
+          </a:xfrm>
+          <a:prstGeom prst="rect">
+            <a:avLst/>
+          </a:prstGeom>
+        </p:spPr>
+      </p:pic>
+    </p:spTree>
+    <p:extLst>
+      <p:ext uri="{BB962C8B-B14F-4D97-AF65-F5344CB8AC3E}">
+        <p14:creationId xmlns:p14="http://schemas.microsoft.com/office/powerpoint/2010/main" val="710368929"/>
+      </p:ext>
+    </p:extLst>
+  </p:cSld>
+  <p:clrMapOvr>
+    <a:masterClrMapping/>
+  </p:clrMapOvr>
+</p:sld>
+</file>
+
+<file path=ppt/slides/slide11.xml><?xml version="1.0" encoding="utf-8"?>
+<p:sld xmlns:a="http://schemas.openxmlformats.org/drawingml/2006/main" xmlns:r="http://schemas.openxmlformats.org/officeDocument/2006/relationships" xmlns:p="http://schemas.openxmlformats.org/presentationml/2006/main">
+  <p:cSld>
+    <p:spTree>
+      <p:nvGrpSpPr>
+        <p:cNvPr id="1" name="Shape 100"/>
+        <p:cNvGrpSpPr/>
+        <p:nvPr/>
+      </p:nvGrpSpPr>
+      <p:grpSpPr>
+        <a:xfrm>
+          <a:off x="0" y="0"/>
+          <a:ext cx="0" cy="0"/>
+          <a:chOff x="0" y="0"/>
+          <a:chExt cx="0" cy="0"/>
+        </a:xfrm>
+      </p:grpSpPr>
+      <p:sp>
+        <p:nvSpPr>
+          <p:cNvPr id="101" name="Shape 101"/>
+          <p:cNvSpPr txBox="1">
+            <a:spLocks noGrp="1"/>
+          </p:cNvSpPr>
+          <p:nvPr>
+            <p:ph type="title"/>
+          </p:nvPr>
+        </p:nvSpPr>
+        <p:spPr>
+          <a:xfrm>
+            <a:off x="387900" y="458025"/>
+            <a:ext cx="8368200" cy="686100"/>
+          </a:xfrm>
+          <a:prstGeom prst="rect">
+            <a:avLst/>
+          </a:prstGeom>
+        </p:spPr>
+        <p:txBody>
+          <a:bodyPr lIns="91425" tIns="91425" rIns="91425" bIns="91425" anchor="b" anchorCtr="0">
+            <a:noAutofit/>
+          </a:bodyPr>
+          <a:lstStyle/>
+          <a:p>
+            <a:pPr lvl="0">
+              <a:spcBef>
+                <a:spcPts val="0"/>
+              </a:spcBef>
+              <a:buNone/>
+            </a:pPr>
+            <a:r>
+              <a:rPr lang="zh-TW"/>
+              <a:t>作業一：Uva 401</a:t>
+            </a:r>
+          </a:p>
+        </p:txBody>
+      </p:sp>
+      <p:sp>
+        <p:nvSpPr>
+          <p:cNvPr id="102" name="Shape 102"/>
+          <p:cNvSpPr txBox="1">
+            <a:spLocks noGrp="1"/>
+          </p:cNvSpPr>
+          <p:nvPr>
+            <p:ph type="body" idx="1"/>
+          </p:nvPr>
+        </p:nvSpPr>
+        <p:spPr>
+          <a:xfrm>
+            <a:off x="387900" y="1489824"/>
+            <a:ext cx="8368200" cy="3078900"/>
+          </a:xfrm>
+          <a:prstGeom prst="rect">
+            <a:avLst/>
+          </a:prstGeom>
+        </p:spPr>
+        <p:txBody>
+          <a:bodyPr lIns="91425" tIns="91425" rIns="91425" bIns="91425" anchor="t" anchorCtr="0">
+            <a:noAutofit/>
+          </a:bodyPr>
+          <a:lstStyle/>
+          <a:p>
+            <a:pPr marL="457200" lvl="0" indent="-228600" rtl="0">
+              <a:spcBef>
+                <a:spcPts val="0"/>
+              </a:spcBef>
+            </a:pPr>
+            <a:r>
+              <a:rPr lang="zh-TW" dirty="0"/>
+              <a:t>作業內容</a:t>
+            </a:r>
+          </a:p>
+          <a:p>
+            <a:pPr marL="914400" lvl="1" indent="-228600" rtl="0">
+              <a:spcBef>
+                <a:spcPts val="0"/>
+              </a:spcBef>
+            </a:pPr>
+            <a:r>
+              <a:rPr lang="zh-TW" dirty="0"/>
+              <a:t>Uva 401 Accept</a:t>
+            </a:r>
+          </a:p>
+          <a:p>
+            <a:pPr marL="457200" lvl="0" indent="-228600" rtl="0">
+              <a:spcBef>
+                <a:spcPts val="0"/>
+              </a:spcBef>
+            </a:pPr>
+            <a:r>
+              <a:rPr lang="zh-TW" dirty="0"/>
+              <a:t>作業繳交內容</a:t>
+            </a:r>
+          </a:p>
+          <a:p>
+            <a:pPr marL="914400" lvl="1" indent="-228600" rtl="0">
+              <a:spcBef>
+                <a:spcPts val="0"/>
+              </a:spcBef>
+            </a:pPr>
+            <a:r>
+              <a:rPr lang="zh-TW" dirty="0"/>
+              <a:t>.c 檔</a:t>
+            </a:r>
+          </a:p>
+        </p:txBody>
+      </p:sp>
+    </p:spTree>
+  </p:cSld>
+  <p:clrMapOvr>
+    <a:masterClrMapping/>
+  </p:clrMapOvr>
+</p:sld>
+</file>
+
 <file path=ppt/slides/slide2.xml><?xml version="1.0" encoding="utf-8"?>
 <p:sld xmlns:a="http://schemas.openxmlformats.org/drawingml/2006/main" xmlns:r="http://schemas.openxmlformats.org/officeDocument/2006/relationships" xmlns:p="http://schemas.openxmlformats.org/presentationml/2006/main">
   <p:cSld>
@@ -5422,7 +5710,7 @@
               </a:spcBef>
             </a:pPr>
             <a:r>
-              <a:rPr lang="zh-TW"/>
+              <a:rPr lang="zh-TW" dirty="0"/>
               <a:t>實驗目的</a:t>
             </a:r>
           </a:p>
@@ -5433,7 +5721,7 @@
               </a:spcBef>
             </a:pPr>
             <a:r>
-              <a:rPr lang="zh-TW"/>
+              <a:rPr lang="zh-TW" dirty="0"/>
               <a:t>瞭解如何宣告並使用函式</a:t>
             </a:r>
           </a:p>
@@ -5444,7 +5732,7 @@
               </a:spcBef>
             </a:pPr>
             <a:r>
-              <a:rPr lang="zh-TW"/>
+              <a:rPr lang="zh-TW" dirty="0"/>
               <a:t>瞭解如何使用函式減少重複的程式碼</a:t>
             </a:r>
           </a:p>
@@ -5455,9 +5743,14 @@
               </a:spcBef>
             </a:pPr>
             <a:r>
-              <a:rPr lang="zh-TW"/>
-              <a:t>實驗檢查項目</a:t>
+              <a:rPr lang="zh-TW" dirty="0"/>
+              <a:t>實驗</a:t>
             </a:r>
+            <a:r>
+              <a:rPr lang="zh-TW" altLang="en-US" dirty="0"/>
+              <a:t>範例</a:t>
+            </a:r>
+            <a:endParaRPr lang="zh-TW" dirty="0"/>
           </a:p>
           <a:p>
             <a:pPr marL="914400" lvl="1" indent="-228600" rtl="0">
@@ -5466,19 +5759,8 @@
               </a:spcBef>
             </a:pPr>
             <a:r>
-              <a:rPr lang="zh-TW"/>
+              <a:rPr lang="zh-TW" dirty="0"/>
               <a:t>實作 int min(int n, int m) 比較並回傳 n 及 m 較小者</a:t>
-            </a:r>
-          </a:p>
-          <a:p>
-            <a:pPr marL="914400" lvl="1" indent="-228600">
-              <a:spcBef>
-                <a:spcPts val="0"/>
-              </a:spcBef>
-            </a:pPr>
-            <a:r>
-              <a:rPr lang="zh-TW"/>
-              <a:t>實際修改 dirty_code.c ，嘗試利用函式減少重複操作</a:t>
             </a:r>
           </a:p>
         </p:txBody>
@@ -5492,6 +5774,98 @@
 </file>
 
 <file path=ppt/slides/slide3.xml><?xml version="1.0" encoding="utf-8"?>
+<p:sld xmlns:a="http://schemas.openxmlformats.org/drawingml/2006/main" xmlns:r="http://schemas.openxmlformats.org/officeDocument/2006/relationships" xmlns:p="http://schemas.openxmlformats.org/presentationml/2006/main">
+  <p:cSld>
+    <p:spTree>
+      <p:nvGrpSpPr>
+        <p:cNvPr id="1" name=""/>
+        <p:cNvGrpSpPr/>
+        <p:nvPr/>
+      </p:nvGrpSpPr>
+      <p:grpSpPr>
+        <a:xfrm>
+          <a:off x="0" y="0"/>
+          <a:ext cx="0" cy="0"/>
+          <a:chOff x="0" y="0"/>
+          <a:chExt cx="0" cy="0"/>
+        </a:xfrm>
+      </p:grpSpPr>
+      <p:sp>
+        <p:nvSpPr>
+          <p:cNvPr id="2" name="標題 1"/>
+          <p:cNvSpPr>
+            <a:spLocks noGrp="1"/>
+          </p:cNvSpPr>
+          <p:nvPr>
+            <p:ph type="title"/>
+          </p:nvPr>
+        </p:nvSpPr>
+        <p:spPr/>
+        <p:txBody>
+          <a:bodyPr/>
+          <a:lstStyle/>
+          <a:p>
+            <a:endParaRPr lang="zh-TW" altLang="en-US" dirty="0"/>
+          </a:p>
+        </p:txBody>
+      </p:sp>
+      <p:sp>
+        <p:nvSpPr>
+          <p:cNvPr id="3" name="文字版面配置區 2"/>
+          <p:cNvSpPr>
+            <a:spLocks noGrp="1"/>
+          </p:cNvSpPr>
+          <p:nvPr>
+            <p:ph type="body" idx="1"/>
+          </p:nvPr>
+        </p:nvSpPr>
+        <p:spPr/>
+        <p:txBody>
+          <a:bodyPr/>
+          <a:lstStyle/>
+          <a:p>
+            <a:endParaRPr lang="zh-TW" altLang="en-US" dirty="0"/>
+          </a:p>
+        </p:txBody>
+      </p:sp>
+      <p:pic>
+        <p:nvPicPr>
+          <p:cNvPr id="8" name="圖片 7"/>
+          <p:cNvPicPr>
+            <a:picLocks noChangeAspect="1"/>
+          </p:cNvPicPr>
+          <p:nvPr/>
+        </p:nvPicPr>
+        <p:blipFill>
+          <a:blip r:embed="rId2"/>
+          <a:stretch>
+            <a:fillRect/>
+          </a:stretch>
+        </p:blipFill>
+        <p:spPr>
+          <a:xfrm>
+            <a:off x="3000375" y="340918"/>
+            <a:ext cx="3143250" cy="4314825"/>
+          </a:xfrm>
+          <a:prstGeom prst="rect">
+            <a:avLst/>
+          </a:prstGeom>
+        </p:spPr>
+      </p:pic>
+    </p:spTree>
+    <p:extLst>
+      <p:ext uri="{BB962C8B-B14F-4D97-AF65-F5344CB8AC3E}">
+        <p14:creationId xmlns:p14="http://schemas.microsoft.com/office/powerpoint/2010/main" val="2186575879"/>
+      </p:ext>
+    </p:extLst>
+  </p:cSld>
+  <p:clrMapOvr>
+    <a:masterClrMapping/>
+  </p:clrMapOvr>
+</p:sld>
+</file>
+
+<file path=ppt/slides/slide4.xml><?xml version="1.0" encoding="utf-8"?>
 <p:sld xmlns:a="http://schemas.openxmlformats.org/drawingml/2006/main" xmlns:r="http://schemas.openxmlformats.org/officeDocument/2006/relationships" xmlns:p="http://schemas.openxmlformats.org/presentationml/2006/main">
   <p:cSld>
     <p:spTree>
@@ -5577,7 +5951,7 @@
               </a:spcBef>
             </a:pPr>
             <a:r>
-              <a:rPr lang="zh-TW"/>
+              <a:rPr lang="zh-TW" dirty="0"/>
               <a:t>實驗目的</a:t>
             </a:r>
           </a:p>
@@ -5588,8 +5962,16 @@
               </a:spcBef>
             </a:pPr>
             <a:r>
-              <a:rPr lang="zh-TW"/>
-              <a:t>瞭解 main 函式的四種型態</a:t>
+              <a:rPr lang="zh-TW" dirty="0"/>
+              <a:t>瞭解 main 函式的</a:t>
+            </a:r>
+            <a:r>
+              <a:rPr lang="zh-TW" altLang="en-US" dirty="0"/>
+              <a:t>三</a:t>
+            </a:r>
+            <a:r>
+              <a:rPr lang="zh-TW" dirty="0"/>
+              <a:t>種型態</a:t>
             </a:r>
           </a:p>
           <a:p>
@@ -5599,7 +5981,7 @@
               </a:spcBef>
             </a:pPr>
             <a:r>
-              <a:rPr lang="zh-TW"/>
+              <a:rPr lang="zh-TW" dirty="0"/>
               <a:t>瞭解 main 函式的回傳值</a:t>
             </a:r>
           </a:p>
@@ -5613,7 +5995,7 @@
 </p:sld>
 </file>
 
-<file path=ppt/slides/slide4.xml><?xml version="1.0" encoding="utf-8"?>
+<file path=ppt/slides/slide5.xml><?xml version="1.0" encoding="utf-8"?>
 <p:sld xmlns:a="http://schemas.openxmlformats.org/drawingml/2006/main" xmlns:r="http://schemas.openxmlformats.org/officeDocument/2006/relationships" xmlns:p="http://schemas.openxmlformats.org/presentationml/2006/main">
   <p:cSld>
     <p:spTree>
@@ -5667,7 +6049,7 @@
 </p:sld>
 </file>
 
-<file path=ppt/slides/slide5.xml><?xml version="1.0" encoding="utf-8"?>
+<file path=ppt/slides/slide6.xml><?xml version="1.0" encoding="utf-8"?>
 <p:sld xmlns:a="http://schemas.openxmlformats.org/drawingml/2006/main" xmlns:r="http://schemas.openxmlformats.org/officeDocument/2006/relationships" xmlns:p="http://schemas.openxmlformats.org/presentationml/2006/main">
   <p:cSld>
     <p:spTree>
@@ -5776,11 +6158,19 @@
             </a:pPr>
             <a:r>
               <a:rPr lang="zh-TW" dirty="0"/>
-              <a:t>實驗檢查項目</a:t>
+              <a:t>實驗</a:t>
             </a:r>
-          </a:p>
-          <a:p>
-            <a:pPr marL="914400" lvl="1" indent="-228600" rtl="0">
+            <a:r>
+              <a:rPr lang="zh-TW" altLang="en-US" dirty="0"/>
+              <a:t>範例</a:t>
+            </a:r>
+            <a:r>
+              <a:rPr lang="en-US" altLang="zh-TW" dirty="0"/>
+              <a:t>:</a:t>
+            </a:r>
+          </a:p>
+          <a:p>
+            <a:pPr marL="457200" lvl="0" indent="-228600" rtl="0">
               <a:spcBef>
                 <a:spcPts val="0"/>
               </a:spcBef>
@@ -5818,10 +6208,7 @@
                 <a:spcPts val="0"/>
               </a:spcBef>
             </a:pPr>
-            <a:r>
-              <a:rPr lang="zh-TW" dirty="0"/>
-              <a:t>限制：僅能使用遞迴</a:t>
-            </a:r>
+            <a:endParaRPr lang="zh-TW" dirty="0"/>
           </a:p>
         </p:txBody>
       </p:sp>
@@ -5833,7 +6220,99 @@
 </p:sld>
 </file>
 
-<file path=ppt/slides/slide6.xml><?xml version="1.0" encoding="utf-8"?>
+<file path=ppt/slides/slide7.xml><?xml version="1.0" encoding="utf-8"?>
+<p:sld xmlns:a="http://schemas.openxmlformats.org/drawingml/2006/main" xmlns:r="http://schemas.openxmlformats.org/officeDocument/2006/relationships" xmlns:p="http://schemas.openxmlformats.org/presentationml/2006/main">
+  <p:cSld>
+    <p:spTree>
+      <p:nvGrpSpPr>
+        <p:cNvPr id="1" name=""/>
+        <p:cNvGrpSpPr/>
+        <p:nvPr/>
+      </p:nvGrpSpPr>
+      <p:grpSpPr>
+        <a:xfrm>
+          <a:off x="0" y="0"/>
+          <a:ext cx="0" cy="0"/>
+          <a:chOff x="0" y="0"/>
+          <a:chExt cx="0" cy="0"/>
+        </a:xfrm>
+      </p:grpSpPr>
+      <p:sp>
+        <p:nvSpPr>
+          <p:cNvPr id="2" name="標題 1"/>
+          <p:cNvSpPr>
+            <a:spLocks noGrp="1"/>
+          </p:cNvSpPr>
+          <p:nvPr>
+            <p:ph type="title"/>
+          </p:nvPr>
+        </p:nvSpPr>
+        <p:spPr/>
+        <p:txBody>
+          <a:bodyPr/>
+          <a:lstStyle/>
+          <a:p>
+            <a:endParaRPr lang="zh-TW" altLang="en-US"/>
+          </a:p>
+        </p:txBody>
+      </p:sp>
+      <p:sp>
+        <p:nvSpPr>
+          <p:cNvPr id="3" name="文字版面配置區 2"/>
+          <p:cNvSpPr>
+            <a:spLocks noGrp="1"/>
+          </p:cNvSpPr>
+          <p:nvPr>
+            <p:ph type="body" idx="1"/>
+          </p:nvPr>
+        </p:nvSpPr>
+        <p:spPr/>
+        <p:txBody>
+          <a:bodyPr/>
+          <a:lstStyle/>
+          <a:p>
+            <a:endParaRPr lang="zh-TW" altLang="en-US"/>
+          </a:p>
+        </p:txBody>
+      </p:sp>
+      <p:pic>
+        <p:nvPicPr>
+          <p:cNvPr id="4" name="圖片 3"/>
+          <p:cNvPicPr>
+            <a:picLocks noChangeAspect="1"/>
+          </p:cNvPicPr>
+          <p:nvPr/>
+        </p:nvPicPr>
+        <p:blipFill>
+          <a:blip r:embed="rId2"/>
+          <a:stretch>
+            <a:fillRect/>
+          </a:stretch>
+        </p:blipFill>
+        <p:spPr>
+          <a:xfrm>
+            <a:off x="2476500" y="52387"/>
+            <a:ext cx="4191000" cy="5038725"/>
+          </a:xfrm>
+          <a:prstGeom prst="rect">
+            <a:avLst/>
+          </a:prstGeom>
+        </p:spPr>
+      </p:pic>
+    </p:spTree>
+    <p:extLst>
+      <p:ext uri="{BB962C8B-B14F-4D97-AF65-F5344CB8AC3E}">
+        <p14:creationId xmlns:p14="http://schemas.microsoft.com/office/powerpoint/2010/main" val="4285978844"/>
+      </p:ext>
+    </p:extLst>
+  </p:cSld>
+  <p:clrMapOvr>
+    <a:masterClrMapping/>
+  </p:clrMapOvr>
+</p:sld>
+</file>
+
+<file path=ppt/slides/slide8.xml><?xml version="1.0" encoding="utf-8"?>
 <p:sld xmlns:a="http://schemas.openxmlformats.org/drawingml/2006/main" xmlns:r="http://schemas.openxmlformats.org/officeDocument/2006/relationships" xmlns:p="http://schemas.openxmlformats.org/presentationml/2006/main">
   <p:cSld>
     <p:spTree>
@@ -5966,7 +6445,7 @@
 </p:sld>
 </file>
 
-<file path=ppt/slides/slide7.xml><?xml version="1.0" encoding="utf-8"?>
+<file path=ppt/slides/slide9.xml><?xml version="1.0" encoding="utf-8"?>
 <p:sld xmlns:a="http://schemas.openxmlformats.org/drawingml/2006/main" xmlns:r="http://schemas.openxmlformats.org/officeDocument/2006/relationships" xmlns:p="http://schemas.openxmlformats.org/presentationml/2006/main">
   <p:cSld>
     <p:spTree>
@@ -6116,221 +6595,6 @@
             <a:r>
               <a:rPr lang="zh-TW"/>
               <a:t> </a:t>
-            </a:r>
-          </a:p>
-        </p:txBody>
-      </p:sp>
-    </p:spTree>
-  </p:cSld>
-  <p:clrMapOvr>
-    <a:masterClrMapping/>
-  </p:clrMapOvr>
-</p:sld>
-</file>
-
-<file path=ppt/slides/slide8.xml><?xml version="1.0" encoding="utf-8"?>
-<p:sld xmlns:a="http://schemas.openxmlformats.org/drawingml/2006/main" xmlns:r="http://schemas.openxmlformats.org/officeDocument/2006/relationships" xmlns:p="http://schemas.openxmlformats.org/presentationml/2006/main">
-  <p:cSld>
-    <p:spTree>
-      <p:nvGrpSpPr>
-        <p:cNvPr id="1" name=""/>
-        <p:cNvGrpSpPr/>
-        <p:nvPr/>
-      </p:nvGrpSpPr>
-      <p:grpSpPr>
-        <a:xfrm>
-          <a:off x="0" y="0"/>
-          <a:ext cx="0" cy="0"/>
-          <a:chOff x="0" y="0"/>
-          <a:chExt cx="0" cy="0"/>
-        </a:xfrm>
-      </p:grpSpPr>
-      <p:sp>
-        <p:nvSpPr>
-          <p:cNvPr id="2" name="標題 1"/>
-          <p:cNvSpPr>
-            <a:spLocks noGrp="1"/>
-          </p:cNvSpPr>
-          <p:nvPr>
-            <p:ph type="title"/>
-          </p:nvPr>
-        </p:nvSpPr>
-        <p:spPr/>
-        <p:txBody>
-          <a:bodyPr/>
-          <a:lstStyle/>
-          <a:p>
-            <a:r>
-              <a:rPr lang="zh-TW" altLang="en-US" dirty="0"/>
-              <a:t>課堂練習</a:t>
-            </a:r>
-          </a:p>
-        </p:txBody>
-      </p:sp>
-      <p:sp>
-        <p:nvSpPr>
-          <p:cNvPr id="3" name="文字版面配置區 2"/>
-          <p:cNvSpPr>
-            <a:spLocks noGrp="1"/>
-          </p:cNvSpPr>
-          <p:nvPr>
-            <p:ph type="body" idx="1"/>
-          </p:nvPr>
-        </p:nvSpPr>
-        <p:spPr/>
-        <p:txBody>
-          <a:bodyPr/>
-          <a:lstStyle/>
-          <a:p>
-            <a:endParaRPr lang="zh-TW" altLang="en-US" dirty="0"/>
-          </a:p>
-        </p:txBody>
-      </p:sp>
-    </p:spTree>
-    <p:extLst>
-      <p:ext uri="{BB962C8B-B14F-4D97-AF65-F5344CB8AC3E}">
-        <p14:creationId xmlns:p14="http://schemas.microsoft.com/office/powerpoint/2010/main" val="914939643"/>
-      </p:ext>
-    </p:extLst>
-  </p:cSld>
-  <p:clrMapOvr>
-    <a:masterClrMapping/>
-  </p:clrMapOvr>
-</p:sld>
-</file>
-
-<file path=ppt/slides/slide9.xml><?xml version="1.0" encoding="utf-8"?>
-<p:sld xmlns:a="http://schemas.openxmlformats.org/drawingml/2006/main" xmlns:r="http://schemas.openxmlformats.org/officeDocument/2006/relationships" xmlns:p="http://schemas.openxmlformats.org/presentationml/2006/main">
-  <p:cSld>
-    <p:spTree>
-      <p:nvGrpSpPr>
-        <p:cNvPr id="1" name="Shape 100"/>
-        <p:cNvGrpSpPr/>
-        <p:nvPr/>
-      </p:nvGrpSpPr>
-      <p:grpSpPr>
-        <a:xfrm>
-          <a:off x="0" y="0"/>
-          <a:ext cx="0" cy="0"/>
-          <a:chOff x="0" y="0"/>
-          <a:chExt cx="0" cy="0"/>
-        </a:xfrm>
-      </p:grpSpPr>
-      <p:sp>
-        <p:nvSpPr>
-          <p:cNvPr id="101" name="Shape 101"/>
-          <p:cNvSpPr txBox="1">
-            <a:spLocks noGrp="1"/>
-          </p:cNvSpPr>
-          <p:nvPr>
-            <p:ph type="title"/>
-          </p:nvPr>
-        </p:nvSpPr>
-        <p:spPr>
-          <a:xfrm>
-            <a:off x="387900" y="458025"/>
-            <a:ext cx="8368200" cy="686100"/>
-          </a:xfrm>
-          <a:prstGeom prst="rect">
-            <a:avLst/>
-          </a:prstGeom>
-        </p:spPr>
-        <p:txBody>
-          <a:bodyPr lIns="91425" tIns="91425" rIns="91425" bIns="91425" anchor="b" anchorCtr="0">
-            <a:noAutofit/>
-          </a:bodyPr>
-          <a:lstStyle/>
-          <a:p>
-            <a:pPr lvl="0">
-              <a:spcBef>
-                <a:spcPts val="0"/>
-              </a:spcBef>
-              <a:buNone/>
-            </a:pPr>
-            <a:r>
-              <a:rPr lang="zh-TW"/>
-              <a:t>作業一：Uva 401</a:t>
-            </a:r>
-          </a:p>
-        </p:txBody>
-      </p:sp>
-      <p:sp>
-        <p:nvSpPr>
-          <p:cNvPr id="102" name="Shape 102"/>
-          <p:cNvSpPr txBox="1">
-            <a:spLocks noGrp="1"/>
-          </p:cNvSpPr>
-          <p:nvPr>
-            <p:ph type="body" idx="1"/>
-          </p:nvPr>
-        </p:nvSpPr>
-        <p:spPr>
-          <a:xfrm>
-            <a:off x="387900" y="1489824"/>
-            <a:ext cx="8368200" cy="3078900"/>
-          </a:xfrm>
-          <a:prstGeom prst="rect">
-            <a:avLst/>
-          </a:prstGeom>
-        </p:spPr>
-        <p:txBody>
-          <a:bodyPr lIns="91425" tIns="91425" rIns="91425" bIns="91425" anchor="t" anchorCtr="0">
-            <a:noAutofit/>
-          </a:bodyPr>
-          <a:lstStyle/>
-          <a:p>
-            <a:pPr marL="457200" lvl="0" indent="-228600" rtl="0">
-              <a:spcBef>
-                <a:spcPts val="0"/>
-              </a:spcBef>
-            </a:pPr>
-            <a:r>
-              <a:rPr lang="zh-TW"/>
-              <a:t>作業內容</a:t>
-            </a:r>
-          </a:p>
-          <a:p>
-            <a:pPr marL="914400" lvl="1" indent="-228600" rtl="0">
-              <a:spcBef>
-                <a:spcPts val="0"/>
-              </a:spcBef>
-            </a:pPr>
-            <a:r>
-              <a:rPr lang="zh-TW"/>
-              <a:t>Uva 401 Accept</a:t>
-            </a:r>
-          </a:p>
-          <a:p>
-            <a:pPr marL="457200" lvl="0" indent="-228600" rtl="0">
-              <a:spcBef>
-                <a:spcPts val="0"/>
-              </a:spcBef>
-            </a:pPr>
-            <a:r>
-              <a:rPr lang="zh-TW"/>
-              <a:t>作業繳交內容</a:t>
-            </a:r>
-          </a:p>
-          <a:p>
-            <a:pPr marL="914400" lvl="1" indent="-228600" rtl="0">
-              <a:spcBef>
-                <a:spcPts val="0"/>
-              </a:spcBef>
-            </a:pPr>
-            <a:r>
-              <a:rPr lang="zh-TW"/>
-              <a:t>.c 檔</a:t>
-            </a:r>
-          </a:p>
-          <a:p>
-            <a:pPr marL="914400" lvl="1" indent="-228600">
-              <a:spcBef>
-                <a:spcPts val="0"/>
-              </a:spcBef>
-            </a:pPr>
-            <a:r>
-              <a:rPr lang="zh-TW"/>
-              <a:t>.pdf 檔</a:t>
             </a:r>
           </a:p>
         </p:txBody>
